--- a/Cui_Brief.pptx
+++ b/Cui_Brief.pptx
@@ -645,6 +645,93 @@
           </a:p>
           <a:p>
             <a:pPr fontAlgn="ctr"/>
+            <a:r>
+              <a:rPr lang="en-US" sz="1200" b="0" i="0" kern="1200" dirty="0" smtClean="0">
+                <a:solidFill>
+                  <a:schemeClr val="tx1"/>
+                </a:solidFill>
+                <a:effectLst/>
+                <a:latin typeface="+mn-lt"/>
+                <a:ea typeface="+mn-ea"/>
+                <a:cs typeface="+mn-cs"/>
+              </a:rPr>
+              <a:t>In 2016,</a:t>
+            </a:r>
+            <a:r>
+              <a:rPr lang="en-US" sz="1200" b="0" i="0" kern="1200" baseline="0" dirty="0" smtClean="0">
+                <a:solidFill>
+                  <a:schemeClr val="tx1"/>
+                </a:solidFill>
+                <a:effectLst/>
+                <a:latin typeface="+mn-lt"/>
+                <a:ea typeface="+mn-ea"/>
+                <a:cs typeface="+mn-cs"/>
+              </a:rPr>
+              <a:t> Chinese yuan become fifth currency </a:t>
+            </a:r>
+            <a:r>
+              <a:rPr lang="en-US" sz="1200" kern="1200" dirty="0" smtClean="0">
+                <a:solidFill>
+                  <a:schemeClr val="tx1"/>
+                </a:solidFill>
+                <a:effectLst/>
+                <a:latin typeface="+mn-lt"/>
+                <a:ea typeface="+mn-ea"/>
+                <a:cs typeface="+mn-cs"/>
+              </a:rPr>
+              <a:t>along with the U.S. dollar, the euro, Japanese yen, and the British pound </a:t>
+            </a:r>
+          </a:p>
+          <a:p>
+            <a:pPr fontAlgn="ctr"/>
+            <a:r>
+              <a:rPr lang="en-US" sz="1200" b="0" i="0" kern="1200" baseline="0" dirty="0" smtClean="0">
+                <a:solidFill>
+                  <a:schemeClr val="tx1"/>
+                </a:solidFill>
+                <a:effectLst/>
+                <a:latin typeface="+mn-lt"/>
+                <a:ea typeface="+mn-ea"/>
+                <a:cs typeface="+mn-cs"/>
+              </a:rPr>
+              <a:t>in SDR basket </a:t>
+            </a:r>
+            <a:r>
+              <a:rPr lang="en-US" sz="1200" b="0" i="0" kern="1200" baseline="0" dirty="0" err="1" smtClean="0">
+                <a:solidFill>
+                  <a:schemeClr val="tx1"/>
+                </a:solidFill>
+                <a:effectLst/>
+                <a:latin typeface="+mn-lt"/>
+                <a:ea typeface="+mn-ea"/>
+                <a:cs typeface="+mn-cs"/>
+              </a:rPr>
+              <a:t>deterimined</a:t>
+            </a:r>
+            <a:r>
+              <a:rPr lang="en-US" sz="1200" b="0" i="0" kern="1200" baseline="0" dirty="0" smtClean="0">
+                <a:solidFill>
+                  <a:schemeClr val="tx1"/>
+                </a:solidFill>
+                <a:effectLst/>
+                <a:latin typeface="+mn-lt"/>
+                <a:ea typeface="+mn-ea"/>
+                <a:cs typeface="+mn-cs"/>
+              </a:rPr>
+              <a:t> by International </a:t>
+            </a:r>
+            <a:r>
+              <a:rPr lang="en-US" sz="1200" b="0" i="0" kern="1200" baseline="0" smtClean="0">
+                <a:solidFill>
+                  <a:schemeClr val="tx1"/>
+                </a:solidFill>
+                <a:effectLst/>
+                <a:latin typeface="+mn-lt"/>
+                <a:ea typeface="+mn-ea"/>
+                <a:cs typeface="+mn-cs"/>
+              </a:rPr>
+              <a:t>monetary fund (IMF)</a:t>
+            </a:r>
             <a:endParaRPr lang="en-US" sz="1200" b="0" i="0" kern="1200" dirty="0" smtClean="0">
               <a:solidFill>
                 <a:schemeClr val="tx1"/>
@@ -657,6 +744,18 @@
           </a:p>
           <a:p>
             <a:pPr fontAlgn="ctr"/>
+            <a:endParaRPr lang="en-US" sz="1200" b="0" i="0" kern="1200" dirty="0" smtClean="0">
+              <a:solidFill>
+                <a:schemeClr val="tx1"/>
+              </a:solidFill>
+              <a:effectLst/>
+              <a:latin typeface="+mn-lt"/>
+              <a:ea typeface="+mn-ea"/>
+              <a:cs typeface="+mn-cs"/>
+            </a:endParaRPr>
+          </a:p>
+          <a:p>
+            <a:pPr fontAlgn="ctr"/>
             <a:r>
               <a:rPr lang="en-US" sz="1200" b="0" i="0" kern="1200" dirty="0" smtClean="0">
                 <a:solidFill>
@@ -667,7 +766,19 @@
                 <a:ea typeface="+mn-ea"/>
                 <a:cs typeface="+mn-cs"/>
               </a:rPr>
-              <a:t>The Chinese Government faces numerous economic challenges including: (a) reducing its high domestic savings rate and correspondingly low domestic consumption; (b) facilitating higher-wage job opportunities for the aspiring middle class, including rural migrants and increasing numbers of college graduates; (c) reducing corruption and other economic crimes; and (d) containing environmental damage and social strife related to the economy's rapid transformation. Economic development has progressed further in coastal provinces than in the interior, and by 2014 more than 274 million migrant workers and their dependents had relocated to urban areas to find work. One consequence of population control policy is that China is now one of the most rapidly aging countries in the world. Deterioration in the environment - notably air pollution, soil erosion, and the steady fall of the water table, especially in the North - is another long-term problem. China continues to lose arable land because of erosion and economic development. The Chinese government is seeking to add energy production capacity from sources other than coal and oil, focusing on nuclear and alternative energy development.</a:t>
+              <a:t>The </a:t>
+            </a:r>
+            <a:r>
+              <a:rPr lang="en-US" sz="1200" b="0" i="0" kern="1200" dirty="0" smtClean="0">
+                <a:solidFill>
+                  <a:schemeClr val="tx1"/>
+                </a:solidFill>
+                <a:effectLst/>
+                <a:latin typeface="+mn-lt"/>
+                <a:ea typeface="+mn-ea"/>
+                <a:cs typeface="+mn-cs"/>
+              </a:rPr>
+              <a:t>Chinese Government faces numerous economic challenges including: (a) reducing its high domestic savings rate and correspondingly low domestic consumption; (b) facilitating higher-wage job opportunities for the aspiring middle class, including rural migrants and increasing numbers of college graduates; (c) reducing corruption and other economic crimes; and (d) containing environmental damage and social strife related to the economy's rapid transformation. Economic development has progressed further in coastal provinces than in the interior, and by 2014 more than 274 million migrant workers and their dependents had relocated to urban areas to find work. One consequence of population control policy is that China is now one of the most rapidly aging countries in the world. Deterioration in the environment - notably air pollution, soil erosion, and the steady fall of the water table, especially in the North - is another long-term problem. China continues to lose arable land because of erosion and economic development. The Chinese government is seeking to add energy production capacity from sources other than coal and oil, focusing on nuclear and alternative energy development.</a:t>
             </a:r>
           </a:p>
           <a:p>
@@ -8084,14 +8195,27 @@
             <p:ph type="subTitle" idx="1"/>
           </p:nvPr>
         </p:nvSpPr>
-        <p:spPr/>
+        <p:spPr>
+          <a:xfrm>
+            <a:off x="2438400" y="5715000"/>
+            <a:ext cx="5791200" cy="1219200"/>
+          </a:xfrm>
+        </p:spPr>
         <p:txBody>
           <a:bodyPr/>
           <a:lstStyle/>
           <a:p>
             <a:r>
               <a:rPr lang="en-US" dirty="0" smtClean="0"/>
-              <a:t>Wei Cui, Cadet Capt., USAF</a:t>
+              <a:t>Wei Cui, </a:t>
+            </a:r>
+            <a:r>
+              <a:rPr lang="en-US" dirty="0" smtClean="0"/>
+              <a:t>Cadet, </a:t>
+            </a:r>
+            <a:r>
+              <a:rPr lang="en-US" dirty="0" smtClean="0"/>
+              <a:t>USAF</a:t>
             </a:r>
             <a:endParaRPr lang="en-US" dirty="0"/>
           </a:p>
@@ -8123,43 +8247,6 @@
               <a:t>China</a:t>
             </a:r>
             <a:endParaRPr lang="en-US" dirty="0"/>
-          </a:p>
-        </p:txBody>
-      </p:sp>
-      <p:sp>
-        <p:nvSpPr>
-          <p:cNvPr id="2061" name="Text Box 13"/>
-          <p:cNvSpPr txBox="1">
-            <a:spLocks noChangeArrowheads="1"/>
-          </p:cNvSpPr>
-          <p:nvPr/>
-        </p:nvSpPr>
-        <p:spPr bwMode="auto">
-          <a:xfrm>
-            <a:off x="1066800" y="5867400"/>
-            <a:ext cx="6721475" cy="641350"/>
-          </a:xfrm>
-          <a:prstGeom prst="rect">
-            <a:avLst/>
-          </a:prstGeom>
-          <a:noFill/>
-          <a:ln w="9525">
-            <a:noFill/>
-            <a:miter lim="800000"/>
-            <a:headEnd/>
-            <a:tailEnd/>
-          </a:ln>
-          <a:effectLst/>
-        </p:spPr>
-        <p:txBody>
-          <a:bodyPr>
-            <a:spAutoFit/>
-          </a:bodyPr>
-          <a:lstStyle/>
-          <a:p>
-            <a:endParaRPr lang="en-US" sz="3600">
-              <a:latin typeface="Bookman Old Style" pitchFamily="18" charset="0"/>
-            </a:endParaRPr>
           </a:p>
         </p:txBody>
       </p:sp>
@@ -8269,11 +8356,7 @@
             </a:r>
             <a:r>
               <a:rPr lang="en-US" sz="2000" dirty="0" smtClean="0"/>
-              <a:t>(Santa Barbara, CA: </a:t>
-            </a:r>
-            <a:r>
-              <a:rPr lang="en-US" sz="2000" dirty="0" smtClean="0"/>
-              <a:t>University </a:t>
+              <a:t>(Santa Barbara, CA: University </a:t>
             </a:r>
             <a:r>
               <a:rPr lang="en-US" sz="2000" dirty="0"/>
@@ -8281,11 +8364,7 @@
             </a:r>
             <a:r>
               <a:rPr lang="en-US" sz="2000" dirty="0" smtClean="0"/>
-              <a:t>Press, 1989</a:t>
-            </a:r>
-            <a:r>
-              <a:rPr lang="en-US" sz="2000" dirty="0" smtClean="0"/>
-              <a:t>), 2</a:t>
+              <a:t>Press, 1989), 2</a:t>
             </a:r>
             <a:r>
               <a:rPr lang="en-US" sz="2000" dirty="0"/>
@@ -8340,11 +8419,7 @@
             </a:r>
             <a:r>
               <a:rPr lang="en-US" sz="2000" dirty="0" smtClean="0"/>
-              <a:t>/geos/ch.html </a:t>
-            </a:r>
-            <a:r>
-              <a:rPr lang="en-US" sz="2000" dirty="0" smtClean="0"/>
-              <a:t>(accessed 30 Sep 2016).</a:t>
+              <a:t>/geos/ch.html (accessed 30 Sep 2016).</a:t>
             </a:r>
           </a:p>
           <a:p>
@@ -10674,6 +10749,30 @@
               <a:buChar char="v"/>
             </a:pPr>
             <a:r>
+              <a:rPr lang="en-US" b="1" dirty="0">
+                <a:effectLst>
+                  <a:outerShdw blurRad="38100" dist="38100" dir="2700000" algn="tl">
+                    <a:srgbClr val="000000">
+                      <a:alpha val="43137"/>
+                    </a:srgbClr>
+                  </a:outerShdw>
+                </a:effectLst>
+                <a:latin typeface="Times New Roman" panose="02020603050405020304" pitchFamily="18" charset="0"/>
+                <a:cs typeface="Times New Roman" panose="02020603050405020304" pitchFamily="18" charset="0"/>
+              </a:rPr>
+              <a:t>Economy</a:t>
+            </a:r>
+          </a:p>
+          <a:p>
+            <a:pPr marL="465138" indent="-465138" eaLnBrk="1" hangingPunct="1">
+              <a:lnSpc>
+                <a:spcPct val="125000"/>
+              </a:lnSpc>
+              <a:buSzPct val="75000"/>
+              <a:buFont typeface="Wingdings" pitchFamily="2" charset="2"/>
+              <a:buChar char="v"/>
+            </a:pPr>
+            <a:r>
               <a:rPr lang="en-US" b="1" dirty="0" smtClean="0">
                 <a:effectLst>
                   <a:outerShdw blurRad="38100" dist="38100" dir="2700000" algn="tl">
@@ -10687,30 +10786,17 @@
               </a:rPr>
               <a:t>Language</a:t>
             </a:r>
-          </a:p>
-          <a:p>
-            <a:pPr marL="465138" indent="-465138" eaLnBrk="1" hangingPunct="1">
-              <a:lnSpc>
-                <a:spcPct val="125000"/>
-              </a:lnSpc>
-              <a:buSzPct val="75000"/>
-              <a:buFont typeface="Wingdings" pitchFamily="2" charset="2"/>
-              <a:buChar char="v"/>
-            </a:pPr>
-            <a:r>
-              <a:rPr lang="en-US" sz="3200" b="1" dirty="0" smtClean="0">
-                <a:effectLst>
-                  <a:outerShdw blurRad="38100" dist="38100" dir="2700000" algn="tl">
-                    <a:srgbClr val="000000">
-                      <a:alpha val="43137"/>
-                    </a:srgbClr>
-                  </a:outerShdw>
-                </a:effectLst>
-                <a:latin typeface="Times New Roman" panose="02020603050405020304" pitchFamily="18" charset="0"/>
-                <a:cs typeface="Times New Roman" panose="02020603050405020304" pitchFamily="18" charset="0"/>
-              </a:rPr>
-              <a:t>Economy</a:t>
-            </a:r>
+            <a:endParaRPr lang="en-US" b="1" dirty="0" smtClean="0">
+              <a:effectLst>
+                <a:outerShdw blurRad="38100" dist="38100" dir="2700000" algn="tl">
+                  <a:srgbClr val="000000">
+                    <a:alpha val="43137"/>
+                  </a:srgbClr>
+                </a:outerShdw>
+              </a:effectLst>
+              <a:latin typeface="Times New Roman" panose="02020603050405020304" pitchFamily="18" charset="0"/>
+              <a:cs typeface="Times New Roman" panose="02020603050405020304" pitchFamily="18" charset="0"/>
+            </a:endParaRPr>
           </a:p>
           <a:p>
             <a:pPr marL="465138" indent="-465138" eaLnBrk="1" hangingPunct="1">
@@ -10733,7 +10819,21 @@
                 <a:latin typeface="Times New Roman" panose="02020603050405020304" pitchFamily="18" charset="0"/>
                 <a:cs typeface="Times New Roman" panose="02020603050405020304" pitchFamily="18" charset="0"/>
               </a:rPr>
-              <a:t>US Interests in China</a:t>
+              <a:t>US </a:t>
+            </a:r>
+            <a:r>
+              <a:rPr lang="en-US" b="1" dirty="0" smtClean="0">
+                <a:effectLst>
+                  <a:outerShdw blurRad="38100" dist="38100" dir="2700000" algn="tl">
+                    <a:srgbClr val="000000">
+                      <a:alpha val="43137"/>
+                    </a:srgbClr>
+                  </a:outerShdw>
+                </a:effectLst>
+                <a:latin typeface="Times New Roman" panose="02020603050405020304" pitchFamily="18" charset="0"/>
+                <a:cs typeface="Times New Roman" panose="02020603050405020304" pitchFamily="18" charset="0"/>
+              </a:rPr>
+              <a:t>Interests in China</a:t>
             </a:r>
           </a:p>
           <a:p>
@@ -13338,20 +13438,6 @@
               </a:rPr>
               <a:t>Language</a:t>
             </a:r>
-            <a:endParaRPr lang="en-US" b="1" dirty="0" smtClean="0">
-              <a:solidFill>
-                <a:srgbClr val="E1E1DF"/>
-              </a:solidFill>
-              <a:effectLst>
-                <a:outerShdw blurRad="38100" dist="38100" dir="2700000" algn="tl">
-                  <a:srgbClr val="000000">
-                    <a:alpha val="43137"/>
-                  </a:srgbClr>
-                </a:outerShdw>
-              </a:effectLst>
-              <a:latin typeface="Times New Roman" panose="02020603050405020304" pitchFamily="18" charset="0"/>
-              <a:cs typeface="Times New Roman" panose="02020603050405020304" pitchFamily="18" charset="0"/>
-            </a:endParaRPr>
           </a:p>
           <a:p>
             <a:pPr marL="465138" indent="-465138" eaLnBrk="1" hangingPunct="1">
@@ -13377,24 +13463,7 @@
                 <a:latin typeface="Times New Roman" panose="02020603050405020304" pitchFamily="18" charset="0"/>
                 <a:cs typeface="Times New Roman" panose="02020603050405020304" pitchFamily="18" charset="0"/>
               </a:rPr>
-              <a:t>US </a:t>
-            </a:r>
-            <a:r>
-              <a:rPr lang="en-US" b="1" dirty="0" smtClean="0">
-                <a:solidFill>
-                  <a:srgbClr val="E1E1DF"/>
-                </a:solidFill>
-                <a:effectLst>
-                  <a:outerShdw blurRad="38100" dist="38100" dir="2700000" algn="tl">
-                    <a:srgbClr val="000000">
-                      <a:alpha val="43137"/>
-                    </a:srgbClr>
-                  </a:outerShdw>
-                </a:effectLst>
-                <a:latin typeface="Times New Roman" panose="02020603050405020304" pitchFamily="18" charset="0"/>
-                <a:cs typeface="Times New Roman" panose="02020603050405020304" pitchFamily="18" charset="0"/>
-              </a:rPr>
-              <a:t>Interests in China</a:t>
+              <a:t>US Interests in China</a:t>
             </a:r>
           </a:p>
           <a:p>
@@ -15529,7 +15598,7 @@
         <p:spPr>
           <a:xfrm>
             <a:off x="914400" y="1600200"/>
-            <a:ext cx="7620000" cy="5029200"/>
+            <a:ext cx="8229600" cy="5029200"/>
           </a:xfrm>
         </p:spPr>
         <p:txBody>
@@ -15572,11 +15641,7 @@
             </a:pPr>
             <a:r>
               <a:rPr lang="en-US" sz="2400" dirty="0" smtClean="0"/>
-              <a:t>In 2014, China has the second largest economy in the world</a:t>
-            </a:r>
-            <a:r>
-              <a:rPr lang="en-US" sz="2400" dirty="0" smtClean="0"/>
-              <a:t>.</a:t>
+              <a:t>In 2014, China has the second largest economy in the world.</a:t>
             </a:r>
           </a:p>
           <a:p>
@@ -15590,11 +15655,19 @@
             </a:pPr>
             <a:r>
               <a:rPr lang="en-US" sz="2400" dirty="0" smtClean="0"/>
-              <a:t>In 2016, Chinese yuan becomes the fifth currency in SDR </a:t>
-            </a:r>
-            <a:r>
-              <a:rPr lang="en-US" sz="2400" smtClean="0"/>
-              <a:t>basket determined by IMF.</a:t>
+              <a:t>In 2016, Chinese yuan becomes the fifth currency in </a:t>
+            </a:r>
+            <a:r>
+              <a:rPr lang="en-US" sz="2400" dirty="0"/>
+              <a:t>Special Drawing Right </a:t>
+            </a:r>
+            <a:r>
+              <a:rPr lang="en-US" sz="2400" dirty="0" smtClean="0"/>
+              <a:t>(</a:t>
+            </a:r>
+            <a:r>
+              <a:rPr lang="en-US" sz="2400" dirty="0" smtClean="0"/>
+              <a:t>SDR) basket.</a:t>
             </a:r>
             <a:endParaRPr lang="en-US" sz="2400" dirty="0" smtClean="0"/>
           </a:p>
@@ -15607,20 +15680,13 @@
               <a:buFont typeface="Wingdings" pitchFamily="2" charset="2"/>
               <a:buChar char="v"/>
             </a:pPr>
-            <a:endParaRPr lang="en-US" sz="2800" dirty="0"/>
-          </a:p>
-          <a:p>
-            <a:pPr marL="465138" indent="-465138" eaLnBrk="1" hangingPunct="1">
-              <a:lnSpc>
-                <a:spcPct val="125000"/>
-              </a:lnSpc>
-              <a:buSzPct val="75000"/>
-              <a:buFont typeface="Wingdings" pitchFamily="2" charset="2"/>
-              <a:buChar char="v"/>
-            </a:pPr>
             <a:r>
               <a:rPr lang="en-US" sz="2800" dirty="0" smtClean="0"/>
-              <a:t>Recent economic challenges</a:t>
+              <a:t>Recent </a:t>
+            </a:r>
+            <a:r>
+              <a:rPr lang="en-US" sz="2800" dirty="0" smtClean="0"/>
+              <a:t>economic challenges</a:t>
             </a:r>
           </a:p>
           <a:p>
@@ -15634,8 +15700,17 @@
             </a:pPr>
             <a:r>
               <a:rPr lang="en-US" sz="2400" dirty="0" smtClean="0"/>
-              <a:t>High domestic saving rate</a:t>
-            </a:r>
+              <a:t>High </a:t>
+            </a:r>
+            <a:r>
+              <a:rPr lang="en-US" sz="2400" dirty="0" smtClean="0"/>
+              <a:t>housing price and low </a:t>
+            </a:r>
+            <a:r>
+              <a:rPr lang="en-US" sz="2400" smtClean="0"/>
+              <a:t>domestic consumption</a:t>
+            </a:r>
+            <a:endParaRPr lang="en-US" sz="2400" dirty="0" smtClean="0"/>
           </a:p>
           <a:p>
             <a:pPr marL="865188" lvl="1" indent="-465138" eaLnBrk="1" hangingPunct="1">
@@ -15945,24 +16020,7 @@
                 <a:latin typeface="Times New Roman" panose="02020603050405020304" pitchFamily="18" charset="0"/>
                 <a:cs typeface="Times New Roman" panose="02020603050405020304" pitchFamily="18" charset="0"/>
               </a:rPr>
-              <a:t>US </a:t>
-            </a:r>
-            <a:r>
-              <a:rPr lang="en-US" b="1" dirty="0" smtClean="0">
-                <a:solidFill>
-                  <a:srgbClr val="E1E1DF"/>
-                </a:solidFill>
-                <a:effectLst>
-                  <a:outerShdw blurRad="38100" dist="38100" dir="2700000" algn="tl">
-                    <a:srgbClr val="000000">
-                      <a:alpha val="43137"/>
-                    </a:srgbClr>
-                  </a:outerShdw>
-                </a:effectLst>
-                <a:latin typeface="Times New Roman" panose="02020603050405020304" pitchFamily="18" charset="0"/>
-                <a:cs typeface="Times New Roman" panose="02020603050405020304" pitchFamily="18" charset="0"/>
-              </a:rPr>
-              <a:t>Interests in China</a:t>
+              <a:t>US Interests in China</a:t>
             </a:r>
           </a:p>
           <a:p>
@@ -16425,20 +16483,6 @@
               </a:rPr>
               <a:t>Language</a:t>
             </a:r>
-            <a:endParaRPr lang="en-US" b="1" dirty="0" smtClean="0">
-              <a:solidFill>
-                <a:srgbClr val="E1E1DF"/>
-              </a:solidFill>
-              <a:effectLst>
-                <a:outerShdw blurRad="38100" dist="38100" dir="2700000" algn="tl">
-                  <a:srgbClr val="000000">
-                    <a:alpha val="43137"/>
-                  </a:srgbClr>
-                </a:outerShdw>
-              </a:effectLst>
-              <a:latin typeface="Times New Roman" panose="02020603050405020304" pitchFamily="18" charset="0"/>
-              <a:cs typeface="Times New Roman" panose="02020603050405020304" pitchFamily="18" charset="0"/>
-            </a:endParaRPr>
           </a:p>
           <a:p>
             <a:pPr marL="465138" indent="-465138" eaLnBrk="1" hangingPunct="1">
@@ -16461,21 +16505,7 @@
                 <a:latin typeface="Times New Roman" panose="02020603050405020304" pitchFamily="18" charset="0"/>
                 <a:cs typeface="Times New Roman" panose="02020603050405020304" pitchFamily="18" charset="0"/>
               </a:rPr>
-              <a:t>US </a:t>
-            </a:r>
-            <a:r>
-              <a:rPr lang="en-US" b="1" dirty="0" smtClean="0">
-                <a:effectLst>
-                  <a:outerShdw blurRad="38100" dist="38100" dir="2700000" algn="tl">
-                    <a:srgbClr val="000000">
-                      <a:alpha val="43137"/>
-                    </a:srgbClr>
-                  </a:outerShdw>
-                </a:effectLst>
-                <a:latin typeface="Times New Roman" panose="02020603050405020304" pitchFamily="18" charset="0"/>
-                <a:cs typeface="Times New Roman" panose="02020603050405020304" pitchFamily="18" charset="0"/>
-              </a:rPr>
-              <a:t>Interests in China</a:t>
+              <a:t>US Interests in China</a:t>
             </a:r>
           </a:p>
           <a:p>
@@ -16873,17 +16903,6 @@
               </a:rPr>
               <a:t>Language</a:t>
             </a:r>
-            <a:endParaRPr lang="en-US" b="1" dirty="0" smtClean="0">
-              <a:effectLst>
-                <a:outerShdw blurRad="38100" dist="38100" dir="2700000" algn="tl">
-                  <a:srgbClr val="000000">
-                    <a:alpha val="43137"/>
-                  </a:srgbClr>
-                </a:outerShdw>
-              </a:effectLst>
-              <a:latin typeface="Times New Roman" panose="02020603050405020304" pitchFamily="18" charset="0"/>
-              <a:cs typeface="Times New Roman" panose="02020603050405020304" pitchFamily="18" charset="0"/>
-            </a:endParaRPr>
           </a:p>
           <a:p>
             <a:pPr marL="465138" indent="-465138" eaLnBrk="1" hangingPunct="1">
@@ -16906,21 +16925,7 @@
                 <a:latin typeface="Times New Roman" panose="02020603050405020304" pitchFamily="18" charset="0"/>
                 <a:cs typeface="Times New Roman" panose="02020603050405020304" pitchFamily="18" charset="0"/>
               </a:rPr>
-              <a:t>US </a:t>
-            </a:r>
-            <a:r>
-              <a:rPr lang="en-US" b="1" dirty="0" smtClean="0">
-                <a:effectLst>
-                  <a:outerShdw blurRad="38100" dist="38100" dir="2700000" algn="tl">
-                    <a:srgbClr val="000000">
-                      <a:alpha val="43137"/>
-                    </a:srgbClr>
-                  </a:outerShdw>
-                </a:effectLst>
-                <a:latin typeface="Times New Roman" panose="02020603050405020304" pitchFamily="18" charset="0"/>
-                <a:cs typeface="Times New Roman" panose="02020603050405020304" pitchFamily="18" charset="0"/>
-              </a:rPr>
-              <a:t>Interests in China</a:t>
+              <a:t>US Interests in China</a:t>
             </a:r>
           </a:p>
           <a:p>

--- a/Cui_Brief.pptx
+++ b/Cui_Brief.pptx
@@ -5,7 +5,7 @@
     <p:sldMasterId id="2147483648" r:id="rId1"/>
   </p:sldMasterIdLst>
   <p:notesMasterIdLst>
-    <p:notesMasterId r:id="rId13"/>
+    <p:notesMasterId r:id="rId14"/>
   </p:notesMasterIdLst>
   <p:sldIdLst>
     <p:sldId id="256" r:id="rId2"/>
@@ -18,7 +18,8 @@
     <p:sldId id="303" r:id="rId9"/>
     <p:sldId id="302" r:id="rId10"/>
     <p:sldId id="305" r:id="rId11"/>
-    <p:sldId id="259" r:id="rId12"/>
+    <p:sldId id="307" r:id="rId12"/>
+    <p:sldId id="308" r:id="rId13"/>
   </p:sldIdLst>
   <p:sldSz cx="9144000" cy="6858000" type="screen4x3"/>
   <p:notesSz cx="6858000" cy="9144000"/>
@@ -249,7 +250,7 @@
             <a:fld id="{1C9B95C5-00E6-4570-B403-3A15AA09B2D5}" type="datetimeFigureOut">
               <a:rPr lang="en-US" smtClean="0"/>
               <a:pPr/>
-              <a:t>10/2/2016</a:t>
+              <a:t>10/9/2016</a:t>
             </a:fld>
             <a:endParaRPr lang="en-US"/>
           </a:p>
@@ -561,269 +562,54 @@
         </p:nvSpPr>
         <p:spPr/>
         <p:txBody>
-          <a:bodyPr>
-            <a:normAutofit fontScale="85000" lnSpcReduction="10000"/>
-          </a:bodyPr>
-          <a:lstStyle/>
-          <a:p>
-            <a:pPr fontAlgn="ctr"/>
-            <a:r>
-              <a:rPr lang="en-US" sz="1200" dirty="0" smtClean="0"/>
-              <a:t>Since 1978, , China has performed a series of economy reform, from a centrally planned one.</a:t>
-            </a:r>
-            <a:endParaRPr lang="en-US" sz="1200" b="0" i="0" kern="1200" dirty="0" smtClean="0">
-              <a:solidFill>
-                <a:schemeClr val="tx1"/>
-              </a:solidFill>
-              <a:effectLst/>
-              <a:latin typeface="+mn-lt"/>
-              <a:ea typeface="+mn-ea"/>
-              <a:cs typeface="+mn-cs"/>
-            </a:endParaRPr>
-          </a:p>
-          <a:p>
-            <a:pPr fontAlgn="ctr"/>
-            <a:r>
-              <a:rPr lang="en-US" sz="1200" b="0" i="0" kern="1200" dirty="0" smtClean="0">
-                <a:solidFill>
-                  <a:schemeClr val="tx1"/>
-                </a:solidFill>
-                <a:effectLst/>
-                <a:latin typeface="+mn-lt"/>
-                <a:ea typeface="+mn-ea"/>
-                <a:cs typeface="+mn-cs"/>
-              </a:rPr>
-              <a:t>in 2010, China became the world's largest exporter</a:t>
-            </a:r>
-            <a:endParaRPr lang="en-US" sz="1200" dirty="0" smtClean="0"/>
-          </a:p>
-          <a:p>
-            <a:pPr fontAlgn="ctr"/>
-            <a:r>
-              <a:rPr lang="en-US" sz="1200" dirty="0" smtClean="0"/>
-              <a:t>As of 2014, China has the second economy in the world. </a:t>
-            </a:r>
-            <a:r>
-              <a:rPr lang="en-US" sz="1200" b="0" i="0" kern="1200" dirty="0" smtClean="0">
-                <a:solidFill>
-                  <a:schemeClr val="tx1"/>
-                </a:solidFill>
-                <a:effectLst/>
-                <a:latin typeface="+mn-lt"/>
-                <a:ea typeface="+mn-ea"/>
-                <a:cs typeface="+mn-cs"/>
-              </a:rPr>
-              <a:t>till, China's per capita income is below the world average.</a:t>
-            </a:r>
-          </a:p>
-          <a:p>
-            <a:pPr fontAlgn="ctr"/>
-            <a:r>
-              <a:rPr lang="en-US" sz="1200" b="0" i="0" kern="1200" dirty="0" smtClean="0">
-                <a:solidFill>
-                  <a:schemeClr val="tx1"/>
-                </a:solidFill>
-                <a:effectLst/>
-                <a:latin typeface="+mn-lt"/>
-                <a:ea typeface="+mn-ea"/>
-                <a:cs typeface="+mn-cs"/>
-              </a:rPr>
-              <a:t>In 2016,</a:t>
-            </a:r>
-            <a:r>
-              <a:rPr lang="en-US" sz="1200" b="0" i="0" kern="1200" baseline="0" dirty="0" smtClean="0">
-                <a:solidFill>
-                  <a:schemeClr val="tx1"/>
-                </a:solidFill>
-                <a:effectLst/>
-                <a:latin typeface="+mn-lt"/>
-                <a:ea typeface="+mn-ea"/>
-                <a:cs typeface="+mn-cs"/>
-              </a:rPr>
-              <a:t> </a:t>
-            </a:r>
-            <a:r>
-              <a:rPr lang="en-US" sz="1200" b="0" i="0" kern="1200" baseline="0" dirty="0" smtClean="0">
-                <a:solidFill>
-                  <a:schemeClr val="tx1"/>
-                </a:solidFill>
-                <a:effectLst/>
-                <a:latin typeface="+mn-lt"/>
-                <a:ea typeface="+mn-ea"/>
-                <a:cs typeface="+mn-cs"/>
-              </a:rPr>
-              <a:t>International monetary fund (IMF announced that Chinese yuan is included as of one of five global reserve currencies </a:t>
-            </a:r>
-            <a:r>
-              <a:rPr lang="en-US" sz="1200" kern="1200" dirty="0" smtClean="0">
-                <a:solidFill>
-                  <a:schemeClr val="tx1"/>
-                </a:solidFill>
-                <a:effectLst/>
-                <a:latin typeface="+mn-lt"/>
-                <a:ea typeface="+mn-ea"/>
-                <a:cs typeface="+mn-cs"/>
-              </a:rPr>
-              <a:t>along with the U.S. dollar, the euro</a:t>
-            </a:r>
-            <a:r>
-              <a:rPr lang="en-US" sz="1200" kern="1200" dirty="0" smtClean="0">
-                <a:solidFill>
-                  <a:schemeClr val="tx1"/>
-                </a:solidFill>
-                <a:effectLst/>
-                <a:latin typeface="+mn-lt"/>
-                <a:ea typeface="+mn-ea"/>
-                <a:cs typeface="+mn-cs"/>
-              </a:rPr>
-              <a:t>, Japanese yen, and the British </a:t>
-            </a:r>
-            <a:r>
-              <a:rPr lang="en-US" sz="1200" kern="1200" dirty="0" smtClean="0">
-                <a:solidFill>
-                  <a:schemeClr val="tx1"/>
-                </a:solidFill>
-                <a:effectLst/>
-                <a:latin typeface="+mn-lt"/>
-                <a:ea typeface="+mn-ea"/>
-                <a:cs typeface="+mn-cs"/>
-              </a:rPr>
-              <a:t>pound.</a:t>
-            </a:r>
-            <a:r>
-              <a:rPr lang="en-US" sz="1200" kern="1200" baseline="0" dirty="0" smtClean="0">
-                <a:solidFill>
-                  <a:schemeClr val="tx1"/>
-                </a:solidFill>
-                <a:effectLst/>
-                <a:latin typeface="+mn-lt"/>
-                <a:ea typeface="+mn-ea"/>
-                <a:cs typeface="+mn-cs"/>
-              </a:rPr>
-              <a:t>  </a:t>
-            </a:r>
-            <a:r>
-              <a:rPr lang="en-US" sz="1200" kern="1200" dirty="0" smtClean="0">
-                <a:solidFill>
-                  <a:schemeClr val="tx1"/>
-                </a:solidFill>
-                <a:effectLst/>
-                <a:latin typeface="+mn-lt"/>
-                <a:ea typeface="+mn-ea"/>
-                <a:cs typeface="+mn-cs"/>
-              </a:rPr>
-              <a:t>Chinese Yuan is the first to be added to SDR since the euro in 1999.   </a:t>
-            </a:r>
-          </a:p>
-          <a:p>
-            <a:pPr fontAlgn="ctr"/>
-            <a:endParaRPr lang="en-US" sz="1200" b="0" i="0" kern="1200" dirty="0" smtClean="0">
-              <a:solidFill>
-                <a:schemeClr val="tx1"/>
-              </a:solidFill>
-              <a:effectLst/>
-              <a:latin typeface="+mn-lt"/>
-              <a:ea typeface="+mn-ea"/>
-              <a:cs typeface="+mn-cs"/>
-            </a:endParaRPr>
-          </a:p>
-          <a:p>
-            <a:pPr fontAlgn="ctr"/>
-            <a:endParaRPr lang="en-US" sz="1200" b="0" i="0" kern="1200" dirty="0" smtClean="0">
-              <a:solidFill>
-                <a:schemeClr val="tx1"/>
-              </a:solidFill>
-              <a:effectLst/>
-              <a:latin typeface="+mn-lt"/>
-              <a:ea typeface="+mn-ea"/>
-              <a:cs typeface="+mn-cs"/>
-            </a:endParaRPr>
-          </a:p>
-          <a:p>
-            <a:r>
-              <a:rPr lang="en-US" dirty="0" smtClean="0"/>
-              <a:t/>
-            </a:r>
-            <a:br>
-              <a:rPr lang="en-US" dirty="0" smtClean="0"/>
-            </a:br>
-            <a:r>
-              <a:rPr lang="en-US" sz="1200" dirty="0" smtClean="0"/>
-              <a:t> </a:t>
-            </a:r>
-          </a:p>
-          <a:p>
-            <a:endParaRPr lang="en-US" sz="1200" b="0" i="0" kern="1200" dirty="0" smtClean="0">
-              <a:solidFill>
-                <a:schemeClr val="tx1"/>
-              </a:solidFill>
-              <a:effectLst/>
-              <a:latin typeface="+mn-lt"/>
-              <a:ea typeface="+mn-ea"/>
-              <a:cs typeface="+mn-cs"/>
-            </a:endParaRPr>
-          </a:p>
-          <a:p>
-            <a:endParaRPr lang="en-US" sz="1200" b="0" i="0" kern="1200" dirty="0" smtClean="0">
-              <a:solidFill>
-                <a:schemeClr val="tx1"/>
-              </a:solidFill>
-              <a:effectLst/>
-              <a:latin typeface="+mn-lt"/>
-              <a:ea typeface="+mn-ea"/>
-              <a:cs typeface="+mn-cs"/>
-            </a:endParaRPr>
-          </a:p>
-          <a:p>
-            <a:r>
-              <a:rPr lang="en-US" sz="1200" b="0" i="0" kern="1200" dirty="0" smtClean="0">
-                <a:solidFill>
-                  <a:schemeClr val="tx1"/>
-                </a:solidFill>
-                <a:effectLst/>
-                <a:latin typeface="+mn-lt"/>
-                <a:ea typeface="+mn-ea"/>
-                <a:cs typeface="+mn-cs"/>
-              </a:rPr>
-              <a:t>https://www.cia.gov/library/publications/the-world-factbook/geos/ch.html</a:t>
-            </a:r>
-          </a:p>
-          <a:p>
-            <a:r>
-              <a:rPr lang="en-US" sz="1200" b="0" i="0" kern="1200" dirty="0" smtClean="0">
-                <a:solidFill>
-                  <a:schemeClr val="tx1"/>
-                </a:solidFill>
-                <a:effectLst/>
-                <a:latin typeface="+mn-lt"/>
-                <a:ea typeface="+mn-ea"/>
-                <a:cs typeface="+mn-cs"/>
-              </a:rPr>
-              <a:t>http://www.heritage.org/research/reports/2015/08/us-national-security-and-rising-china</a:t>
-            </a:r>
-            <a:endParaRPr lang="en-US" dirty="0"/>
-          </a:p>
-        </p:txBody>
-      </p:sp>
-      <p:sp>
-        <p:nvSpPr>
-          <p:cNvPr id="4" name="Slide Number Placeholder 3"/>
-          <p:cNvSpPr>
-            <a:spLocks noGrp="1"/>
-          </p:cNvSpPr>
-          <p:nvPr>
-            <p:ph type="sldNum" sz="quarter" idx="10"/>
-          </p:nvPr>
-        </p:nvSpPr>
-        <p:spPr/>
-        <p:txBody>
           <a:bodyPr/>
           <a:lstStyle/>
           <a:p>
+            <a:r>
+              <a:rPr lang="en-US" dirty="0" smtClean="0"/>
+              <a:t>Good morning Sir,  Good morning </a:t>
+            </a:r>
+            <a:r>
+              <a:rPr lang="en-US" dirty="0" err="1" smtClean="0"/>
+              <a:t>Genltmen</a:t>
+            </a:r>
+            <a:r>
+              <a:rPr lang="en-US" dirty="0" smtClean="0"/>
+              <a:t>.</a:t>
+            </a:r>
+          </a:p>
+          <a:p>
+            <a:r>
+              <a:rPr lang="en-US" dirty="0" err="1" smtClean="0"/>
+              <a:t>Im</a:t>
+            </a:r>
+            <a:r>
+              <a:rPr lang="en-US" baseline="0" dirty="0" smtClean="0"/>
+              <a:t> cadet cui and today I am going to give you a brief introduction to China. </a:t>
+            </a:r>
+            <a:endParaRPr lang="en-US" dirty="0"/>
+          </a:p>
+        </p:txBody>
+      </p:sp>
+      <p:sp>
+        <p:nvSpPr>
+          <p:cNvPr id="4" name="Slide Number Placeholder 3"/>
+          <p:cNvSpPr>
+            <a:spLocks noGrp="1"/>
+          </p:cNvSpPr>
+          <p:nvPr>
+            <p:ph type="sldNum" sz="quarter" idx="10"/>
+          </p:nvPr>
+        </p:nvSpPr>
+        <p:spPr/>
+        <p:txBody>
+          <a:bodyPr/>
+          <a:lstStyle/>
+          <a:p>
             <a:fld id="{E4A5C744-A385-49B9-9F95-09143659B6F6}" type="slidenum">
               <a:rPr lang="en-US" smtClean="0"/>
               <a:pPr/>
-              <a:t>4</a:t>
+              <a:t>1</a:t>
             </a:fld>
             <a:endParaRPr lang="en-US"/>
           </a:p>
@@ -832,7 +618,112 @@
     </p:spTree>
     <p:extLst>
       <p:ext uri="{BB962C8B-B14F-4D97-AF65-F5344CB8AC3E}">
-        <p14:creationId xmlns:p14="http://schemas.microsoft.com/office/powerpoint/2010/main" val="1993944443"/>
+        <p14:creationId xmlns:p14="http://schemas.microsoft.com/office/powerpoint/2010/main" val="3285710244"/>
+      </p:ext>
+    </p:extLst>
+  </p:cSld>
+  <p:clrMapOvr>
+    <a:masterClrMapping/>
+  </p:clrMapOvr>
+</p:notes>
+</file>
+
+<file path=ppt/notesSlides/notesSlide10.xml><?xml version="1.0" encoding="utf-8"?>
+<p:notes xmlns:a="http://schemas.openxmlformats.org/drawingml/2006/main" xmlns:r="http://schemas.openxmlformats.org/officeDocument/2006/relationships" xmlns:p="http://schemas.openxmlformats.org/presentationml/2006/main">
+  <p:cSld>
+    <p:spTree>
+      <p:nvGrpSpPr>
+        <p:cNvPr id="1" name=""/>
+        <p:cNvGrpSpPr/>
+        <p:nvPr/>
+      </p:nvGrpSpPr>
+      <p:grpSpPr>
+        <a:xfrm>
+          <a:off x="0" y="0"/>
+          <a:ext cx="0" cy="0"/>
+          <a:chOff x="0" y="0"/>
+          <a:chExt cx="0" cy="0"/>
+        </a:xfrm>
+      </p:grpSpPr>
+      <p:sp>
+        <p:nvSpPr>
+          <p:cNvPr id="2" name="Slide Image Placeholder 1"/>
+          <p:cNvSpPr>
+            <a:spLocks noGrp="1" noRot="1" noChangeAspect="1"/>
+          </p:cNvSpPr>
+          <p:nvPr>
+            <p:ph type="sldImg"/>
+          </p:nvPr>
+        </p:nvSpPr>
+        <p:spPr/>
+      </p:sp>
+      <p:sp>
+        <p:nvSpPr>
+          <p:cNvPr id="3" name="Notes Placeholder 2"/>
+          <p:cNvSpPr>
+            <a:spLocks noGrp="1"/>
+          </p:cNvSpPr>
+          <p:nvPr>
+            <p:ph type="body" idx="1"/>
+          </p:nvPr>
+        </p:nvSpPr>
+        <p:spPr/>
+        <p:txBody>
+          <a:bodyPr/>
+          <a:lstStyle/>
+          <a:p>
+            <a:pPr marL="0" marR="0" lvl="0" indent="0" algn="l" defTabSz="914400" rtl="0" eaLnBrk="1" fontAlgn="auto" latinLnBrk="0" hangingPunct="1">
+              <a:lnSpc>
+                <a:spcPct val="100000"/>
+              </a:lnSpc>
+              <a:spcBef>
+                <a:spcPts val="0"/>
+              </a:spcBef>
+              <a:spcAft>
+                <a:spcPts val="0"/>
+              </a:spcAft>
+              <a:buClrTx/>
+              <a:buSzTx/>
+              <a:buFontTx/>
+              <a:buNone/>
+              <a:tabLst/>
+              <a:defRPr/>
+            </a:pPr>
+            <a:r>
+              <a:rPr lang="en-US" dirty="0" smtClean="0"/>
+              <a:t>This concludes my briefing.  Are there any questions?</a:t>
+            </a:r>
+          </a:p>
+        </p:txBody>
+      </p:sp>
+      <p:sp>
+        <p:nvSpPr>
+          <p:cNvPr id="4" name="Slide Number Placeholder 3"/>
+          <p:cNvSpPr>
+            <a:spLocks noGrp="1"/>
+          </p:cNvSpPr>
+          <p:nvPr>
+            <p:ph type="sldNum" sz="quarter" idx="10"/>
+          </p:nvPr>
+        </p:nvSpPr>
+        <p:spPr/>
+        <p:txBody>
+          <a:bodyPr/>
+          <a:lstStyle/>
+          <a:p>
+            <a:fld id="{E4A5C744-A385-49B9-9F95-09143659B6F6}" type="slidenum">
+              <a:rPr lang="en-US" smtClean="0"/>
+              <a:pPr/>
+              <a:t>12</a:t>
+            </a:fld>
+            <a:endParaRPr lang="en-US"/>
+          </a:p>
+        </p:txBody>
+      </p:sp>
+    </p:spTree>
+    <p:extLst>
+      <p:ext uri="{BB962C8B-B14F-4D97-AF65-F5344CB8AC3E}">
+        <p14:creationId xmlns:p14="http://schemas.microsoft.com/office/powerpoint/2010/main" val="2147102527"/>
       </p:ext>
     </p:extLst>
   </p:cSld>
@@ -883,121 +774,40 @@
         </p:nvSpPr>
         <p:spPr/>
         <p:txBody>
-          <a:bodyPr>
-            <a:normAutofit/>
-          </a:bodyPr>
-          <a:lstStyle/>
-          <a:p>
-            <a:r>
-              <a:rPr lang="en-US" sz="1200" kern="1200" dirty="0" smtClean="0">
-                <a:solidFill>
-                  <a:schemeClr val="tx1"/>
-                </a:solidFill>
-                <a:effectLst/>
-                <a:latin typeface="+mn-lt"/>
-                <a:ea typeface="+mn-ea"/>
-                <a:cs typeface="+mn-cs"/>
-              </a:rPr>
-              <a:t>Despite the rapid economic growth China has made, there are some </a:t>
-            </a:r>
-            <a:r>
-              <a:rPr lang="en-US" sz="1200" kern="1200" dirty="0" err="1" smtClean="0">
-                <a:solidFill>
-                  <a:schemeClr val="tx1"/>
-                </a:solidFill>
-                <a:effectLst/>
-                <a:latin typeface="+mn-lt"/>
-                <a:ea typeface="+mn-ea"/>
-                <a:cs typeface="+mn-cs"/>
-              </a:rPr>
-              <a:t>chanllenges</a:t>
-            </a:r>
-            <a:r>
-              <a:rPr lang="en-US" sz="1200" kern="1200" dirty="0" smtClean="0">
-                <a:solidFill>
-                  <a:schemeClr val="tx1"/>
-                </a:solidFill>
-                <a:effectLst/>
-                <a:latin typeface="+mn-lt"/>
-                <a:ea typeface="+mn-ea"/>
-                <a:cs typeface="+mn-cs"/>
-              </a:rPr>
-              <a:t> the Chinese government faces,</a:t>
-            </a:r>
-          </a:p>
-          <a:p>
-            <a:endParaRPr lang="en-US" sz="1200" kern="1200" dirty="0" smtClean="0">
-              <a:solidFill>
-                <a:schemeClr val="tx1"/>
-              </a:solidFill>
-              <a:effectLst/>
-              <a:latin typeface="+mn-lt"/>
-              <a:ea typeface="+mn-ea"/>
-              <a:cs typeface="+mn-cs"/>
-            </a:endParaRPr>
-          </a:p>
-          <a:p>
-            <a:r>
-              <a:rPr lang="en-US" sz="1200" kern="1200" dirty="0" smtClean="0">
-                <a:solidFill>
-                  <a:schemeClr val="tx1"/>
-                </a:solidFill>
-                <a:effectLst/>
-                <a:latin typeface="+mn-lt"/>
-                <a:ea typeface="+mn-ea"/>
-                <a:cs typeface="+mn-cs"/>
-              </a:rPr>
-              <a:t> Based on CIA world Factbook on China, high housing price and low domestic consumption.  The median housing price in Beijing and Shanghai has exceeded New York </a:t>
-            </a:r>
-            <a:r>
-              <a:rPr lang="en-US" sz="1200" kern="1200" dirty="0" err="1" smtClean="0">
-                <a:solidFill>
-                  <a:schemeClr val="tx1"/>
-                </a:solidFill>
-                <a:effectLst/>
-                <a:latin typeface="+mn-lt"/>
-                <a:ea typeface="+mn-ea"/>
-                <a:cs typeface="+mn-cs"/>
-              </a:rPr>
-              <a:t>Manhatton</a:t>
-            </a:r>
-            <a:r>
-              <a:rPr lang="en-US" sz="1200" kern="1200" dirty="0" smtClean="0">
-                <a:solidFill>
-                  <a:schemeClr val="tx1"/>
-                </a:solidFill>
-                <a:effectLst/>
-                <a:latin typeface="+mn-lt"/>
-                <a:ea typeface="+mn-ea"/>
-                <a:cs typeface="+mn-cs"/>
-              </a:rPr>
-              <a:t>. Economy Crimes and corruptions, and environment damage are the three main challenges the Chinese are facing.</a:t>
-            </a:r>
-          </a:p>
-          <a:p>
-            <a:endParaRPr lang="en-US" dirty="0"/>
-          </a:p>
-        </p:txBody>
-      </p:sp>
-      <p:sp>
-        <p:nvSpPr>
-          <p:cNvPr id="4" name="Slide Number Placeholder 3"/>
-          <p:cNvSpPr>
-            <a:spLocks noGrp="1"/>
-          </p:cNvSpPr>
-          <p:nvPr>
-            <p:ph type="sldNum" sz="quarter" idx="10"/>
-          </p:nvPr>
-        </p:nvSpPr>
-        <p:spPr/>
-        <p:txBody>
           <a:bodyPr/>
           <a:lstStyle/>
           <a:p>
+            <a:r>
+              <a:rPr lang="en-US" dirty="0" smtClean="0"/>
+              <a:t>I will cover</a:t>
+            </a:r>
+            <a:r>
+              <a:rPr lang="en-US" baseline="0" dirty="0" smtClean="0"/>
+              <a:t> three perspectives of China.  It is Economy what economic achievement it has made,  the  language in china, and US interests in China. Why china is important to us. </a:t>
+            </a:r>
+            <a:endParaRPr lang="en-US" dirty="0"/>
+          </a:p>
+        </p:txBody>
+      </p:sp>
+      <p:sp>
+        <p:nvSpPr>
+          <p:cNvPr id="4" name="Slide Number Placeholder 3"/>
+          <p:cNvSpPr>
+            <a:spLocks noGrp="1"/>
+          </p:cNvSpPr>
+          <p:nvPr>
+            <p:ph type="sldNum" sz="quarter" idx="10"/>
+          </p:nvPr>
+        </p:nvSpPr>
+        <p:spPr/>
+        <p:txBody>
+          <a:bodyPr/>
+          <a:lstStyle/>
+          <a:p>
             <a:fld id="{E4A5C744-A385-49B9-9F95-09143659B6F6}" type="slidenum">
               <a:rPr lang="en-US" smtClean="0"/>
               <a:pPr/>
-              <a:t>5</a:t>
+              <a:t>2</a:t>
             </a:fld>
             <a:endParaRPr lang="en-US"/>
           </a:p>
@@ -1006,7 +816,7 @@
     </p:spTree>
     <p:extLst>
       <p:ext uri="{BB962C8B-B14F-4D97-AF65-F5344CB8AC3E}">
-        <p14:creationId xmlns:p14="http://schemas.microsoft.com/office/powerpoint/2010/main" val="2817341529"/>
+        <p14:creationId xmlns:p14="http://schemas.microsoft.com/office/powerpoint/2010/main" val="3970795509"/>
       </p:ext>
     </p:extLst>
   </p:cSld>
@@ -1060,228 +870,7 @@
           <a:bodyPr/>
           <a:lstStyle/>
           <a:p>
-            <a:r>
-              <a:rPr lang="en-US" sz="1200" kern="1200" dirty="0" smtClean="0">
-                <a:solidFill>
-                  <a:schemeClr val="tx1"/>
-                </a:solidFill>
-                <a:effectLst/>
-                <a:latin typeface="+mn-lt"/>
-                <a:ea typeface="+mn-ea"/>
-                <a:cs typeface="+mn-cs"/>
-              </a:rPr>
-              <a:t>Nearly 1.2 billion people (around 16% of the world's population) speak some form of Chinese as their </a:t>
-            </a:r>
-            <a:r>
-              <a:rPr lang="en-US" sz="1200" u="sng" kern="1200" dirty="0" smtClean="0">
-                <a:solidFill>
-                  <a:schemeClr val="tx1"/>
-                </a:solidFill>
-                <a:effectLst/>
-                <a:latin typeface="+mn-lt"/>
-                <a:ea typeface="+mn-ea"/>
-                <a:cs typeface="+mn-cs"/>
-                <a:hlinkClick r:id="rId3"/>
-              </a:rPr>
-              <a:t>first language</a:t>
-            </a:r>
-            <a:r>
-              <a:rPr lang="en-US" sz="1200" kern="1200" dirty="0" smtClean="0">
-                <a:solidFill>
-                  <a:schemeClr val="tx1"/>
-                </a:solidFill>
-                <a:effectLst/>
-                <a:latin typeface="+mn-lt"/>
-                <a:ea typeface="+mn-ea"/>
-                <a:cs typeface="+mn-cs"/>
-              </a:rPr>
-              <a:t>.  There are over 10 different types of dialects spoken in China</a:t>
-            </a:r>
-            <a:r>
-              <a:rPr lang="en-US" sz="1200" kern="1200" baseline="30000" dirty="0" smtClean="0">
-                <a:solidFill>
-                  <a:schemeClr val="tx1"/>
-                </a:solidFill>
-                <a:effectLst/>
-                <a:latin typeface="+mn-lt"/>
-                <a:ea typeface="+mn-ea"/>
-                <a:cs typeface="+mn-cs"/>
-              </a:rPr>
-              <a:t> 2</a:t>
-            </a:r>
-            <a:endParaRPr lang="en-US" sz="1200" kern="1200" dirty="0" smtClean="0">
-              <a:solidFill>
-                <a:schemeClr val="tx1"/>
-              </a:solidFill>
-              <a:effectLst/>
-              <a:latin typeface="+mn-lt"/>
-              <a:ea typeface="+mn-ea"/>
-              <a:cs typeface="+mn-cs"/>
-            </a:endParaRPr>
-          </a:p>
-          <a:p>
-            <a:endParaRPr lang="en-US" sz="1200" kern="1200" dirty="0" smtClean="0">
-              <a:solidFill>
-                <a:schemeClr val="tx1"/>
-              </a:solidFill>
-              <a:effectLst/>
-              <a:latin typeface="+mn-lt"/>
-              <a:ea typeface="+mn-ea"/>
-              <a:cs typeface="+mn-cs"/>
-            </a:endParaRPr>
-          </a:p>
-          <a:p>
-            <a:r>
-              <a:rPr lang="en-US" sz="1200" kern="1200" dirty="0" smtClean="0">
-                <a:solidFill>
-                  <a:schemeClr val="tx1"/>
-                </a:solidFill>
-                <a:effectLst/>
-                <a:latin typeface="+mn-lt"/>
-                <a:ea typeface="+mn-ea"/>
-                <a:cs typeface="+mn-cs"/>
-              </a:rPr>
-              <a:t>Mandarin is the most widely spoken dialect in China. There are more than 800 million people that can understand and speak Mandarin.  It is based on the dialect in Beijing, the capital of China.  Cantonese is widely spoken dialect in Canton province, Hong </a:t>
-            </a:r>
-            <a:r>
-              <a:rPr lang="en-US" sz="1200" kern="1200" dirty="0" err="1" smtClean="0">
-                <a:solidFill>
-                  <a:schemeClr val="tx1"/>
-                </a:solidFill>
-                <a:effectLst/>
-                <a:latin typeface="+mn-lt"/>
-                <a:ea typeface="+mn-ea"/>
-                <a:cs typeface="+mn-cs"/>
-              </a:rPr>
-              <a:t>kong</a:t>
-            </a:r>
-            <a:r>
-              <a:rPr lang="en-US" sz="1200" kern="1200" dirty="0" smtClean="0">
-                <a:solidFill>
-                  <a:schemeClr val="tx1"/>
-                </a:solidFill>
-                <a:effectLst/>
-                <a:latin typeface="+mn-lt"/>
-                <a:ea typeface="+mn-ea"/>
-                <a:cs typeface="+mn-cs"/>
-              </a:rPr>
-              <a:t> and Marco. (Charles N. Li, Sandra A. Thompson in their paper </a:t>
-            </a:r>
-            <a:r>
-              <a:rPr lang="en-US" sz="1200" i="1" kern="1200" dirty="0" smtClean="0">
-                <a:solidFill>
-                  <a:schemeClr val="tx1"/>
-                </a:solidFill>
-                <a:effectLst/>
-                <a:latin typeface="+mn-lt"/>
-                <a:ea typeface="+mn-ea"/>
-                <a:cs typeface="+mn-cs"/>
-              </a:rPr>
-              <a:t>Mandarin Chinese: A Functional Reference Grammar</a:t>
-            </a:r>
-            <a:r>
-              <a:rPr lang="en-US" sz="1200" kern="1200" dirty="0" smtClean="0">
-                <a:solidFill>
-                  <a:schemeClr val="tx1"/>
-                </a:solidFill>
-                <a:effectLst/>
-                <a:latin typeface="+mn-lt"/>
-                <a:ea typeface="+mn-ea"/>
-                <a:cs typeface="+mn-cs"/>
-              </a:rPr>
-              <a:t> (1989) pointed out that people speak different dialects can not understand each other. </a:t>
-            </a:r>
-          </a:p>
-          <a:p>
-            <a:endParaRPr lang="en-US" sz="1200" kern="1200" dirty="0" smtClean="0">
-              <a:solidFill>
-                <a:schemeClr val="tx1"/>
-              </a:solidFill>
-              <a:effectLst/>
-              <a:latin typeface="+mn-lt"/>
-              <a:ea typeface="+mn-ea"/>
-              <a:cs typeface="+mn-cs"/>
-            </a:endParaRPr>
-          </a:p>
-          <a:p>
-            <a:pPr marL="0" marR="0" lvl="0" indent="0" algn="l" defTabSz="914400" rtl="0" eaLnBrk="1" fontAlgn="auto" latinLnBrk="0" hangingPunct="1">
-              <a:lnSpc>
-                <a:spcPct val="100000"/>
-              </a:lnSpc>
-              <a:spcBef>
-                <a:spcPts val="0"/>
-              </a:spcBef>
-              <a:spcAft>
-                <a:spcPts val="0"/>
-              </a:spcAft>
-              <a:buClrTx/>
-              <a:buSzTx/>
-              <a:buFontTx/>
-              <a:buNone/>
-              <a:tabLst/>
-              <a:defRPr/>
-            </a:pPr>
-            <a:r>
-              <a:rPr lang="en-US" sz="1200" dirty="0" smtClean="0"/>
-              <a:t>The written form of Chinese is shared by all the Chinese speakers.</a:t>
-            </a:r>
-          </a:p>
-          <a:p>
-            <a:endParaRPr lang="en-US" sz="1200" kern="1200" dirty="0" smtClean="0">
-              <a:solidFill>
-                <a:schemeClr val="tx1"/>
-              </a:solidFill>
-              <a:effectLst/>
-              <a:latin typeface="+mn-lt"/>
-              <a:ea typeface="+mn-ea"/>
-              <a:cs typeface="+mn-cs"/>
-            </a:endParaRPr>
-          </a:p>
-          <a:p>
-            <a:r>
-              <a:rPr lang="en-US" sz="1200" kern="1200" dirty="0" smtClean="0">
-                <a:solidFill>
-                  <a:schemeClr val="tx1"/>
-                </a:solidFill>
-                <a:effectLst/>
-                <a:latin typeface="+mn-lt"/>
-                <a:ea typeface="+mn-ea"/>
-                <a:cs typeface="+mn-cs"/>
-              </a:rPr>
-              <a:t>However, the written form is shared by all the Chinese speakers.  Unlike many other languages around the world, written Chinese uses a pictorial representation instead of a phonetic one.</a:t>
-            </a:r>
-            <a:r>
-              <a:rPr lang="en-US" sz="1200" kern="1200" baseline="30000" dirty="0" smtClean="0">
-                <a:solidFill>
-                  <a:schemeClr val="tx1"/>
-                </a:solidFill>
-                <a:effectLst/>
-                <a:latin typeface="+mn-lt"/>
-                <a:ea typeface="+mn-ea"/>
-                <a:cs typeface="+mn-cs"/>
-              </a:rPr>
-              <a:t> 16</a:t>
-            </a:r>
-            <a:endParaRPr lang="en-US" sz="1200" kern="1200" dirty="0" smtClean="0">
-              <a:solidFill>
-                <a:schemeClr val="tx1"/>
-              </a:solidFill>
-              <a:effectLst/>
-              <a:latin typeface="+mn-lt"/>
-              <a:ea typeface="+mn-ea"/>
-              <a:cs typeface="+mn-cs"/>
-            </a:endParaRPr>
-          </a:p>
-          <a:p>
-            <a:endParaRPr lang="en-US" sz="1200" b="0" i="0" kern="1200" dirty="0" smtClean="0">
-              <a:solidFill>
-                <a:schemeClr val="tx1"/>
-              </a:solidFill>
-              <a:effectLst/>
-              <a:latin typeface="+mn-lt"/>
-              <a:ea typeface="+mn-ea"/>
-              <a:cs typeface="+mn-cs"/>
-            </a:endParaRPr>
+            <a:endParaRPr lang="en-US" dirty="0"/>
           </a:p>
         </p:txBody>
       </p:sp>
@@ -1303,7 +892,7 @@
             <a:fld id="{E4A5C744-A385-49B9-9F95-09143659B6F6}" type="slidenum">
               <a:rPr lang="en-US" smtClean="0"/>
               <a:pPr/>
-              <a:t>7</a:t>
+              <a:t>3</a:t>
             </a:fld>
             <a:endParaRPr lang="en-US"/>
           </a:p>
@@ -1312,7 +901,7 @@
     </p:spTree>
     <p:extLst>
       <p:ext uri="{BB962C8B-B14F-4D97-AF65-F5344CB8AC3E}">
-        <p14:creationId xmlns:p14="http://schemas.microsoft.com/office/powerpoint/2010/main" val="1946368341"/>
+        <p14:creationId xmlns:p14="http://schemas.microsoft.com/office/powerpoint/2010/main" val="2392478613"/>
       </p:ext>
     </p:extLst>
   </p:cSld>
@@ -1364,10 +953,15 @@
         <p:spPr/>
         <p:txBody>
           <a:bodyPr>
-            <a:normAutofit fontScale="77500" lnSpcReduction="20000"/>
+            <a:normAutofit/>
           </a:bodyPr>
           <a:lstStyle/>
           <a:p>
+            <a:pPr fontAlgn="ctr"/>
+            <a:r>
+              <a:rPr lang="en-US" sz="1200" dirty="0" smtClean="0"/>
+              <a:t>Since 1978, , China has performed a series of economy reform, from a centrally planned one.</a:t>
+            </a:r>
             <a:endParaRPr lang="en-US" sz="1200" b="0" i="0" kern="1200" dirty="0" smtClean="0">
               <a:solidFill>
                 <a:schemeClr val="tx1"/>
@@ -1377,6 +971,322 @@
               <a:ea typeface="+mn-ea"/>
               <a:cs typeface="+mn-cs"/>
             </a:endParaRPr>
+          </a:p>
+          <a:p>
+            <a:pPr fontAlgn="ctr"/>
+            <a:r>
+              <a:rPr lang="en-US" sz="1200" b="0" i="0" kern="1200" dirty="0" smtClean="0">
+                <a:solidFill>
+                  <a:schemeClr val="tx1"/>
+                </a:solidFill>
+                <a:effectLst/>
+                <a:latin typeface="+mn-lt"/>
+                <a:ea typeface="+mn-ea"/>
+                <a:cs typeface="+mn-cs"/>
+              </a:rPr>
+              <a:t>According to CIA</a:t>
+            </a:r>
+            <a:r>
+              <a:rPr lang="en-US" sz="1200" b="0" i="0" kern="1200" baseline="0" dirty="0" smtClean="0">
+                <a:solidFill>
+                  <a:schemeClr val="tx1"/>
+                </a:solidFill>
+                <a:effectLst/>
+                <a:latin typeface="+mn-lt"/>
+                <a:ea typeface="+mn-ea"/>
+                <a:cs typeface="+mn-cs"/>
+              </a:rPr>
+              <a:t> Factbook. </a:t>
+            </a:r>
+            <a:r>
+              <a:rPr lang="en-US" sz="1200" b="0" i="0" kern="1200" dirty="0" smtClean="0">
+                <a:solidFill>
+                  <a:schemeClr val="tx1"/>
+                </a:solidFill>
+                <a:effectLst/>
+                <a:latin typeface="+mn-lt"/>
+                <a:ea typeface="+mn-ea"/>
+                <a:cs typeface="+mn-cs"/>
+              </a:rPr>
+              <a:t>in 2010, China became the world's largest exporter, in 2014, china has</a:t>
+            </a:r>
+            <a:r>
+              <a:rPr lang="en-US" sz="1200" b="0" i="0" kern="1200" baseline="0" dirty="0" smtClean="0">
+                <a:solidFill>
+                  <a:schemeClr val="tx1"/>
+                </a:solidFill>
+                <a:effectLst/>
+                <a:latin typeface="+mn-lt"/>
+                <a:ea typeface="+mn-ea"/>
+                <a:cs typeface="+mn-cs"/>
+              </a:rPr>
+              <a:t> the second largest economy in the world. </a:t>
+            </a:r>
+          </a:p>
+          <a:p>
+            <a:pPr fontAlgn="ctr"/>
+            <a:endParaRPr lang="en-US" sz="1200" dirty="0" smtClean="0"/>
+          </a:p>
+          <a:p>
+            <a:pPr fontAlgn="ctr"/>
+            <a:endParaRPr lang="en-US" sz="1200" b="0" i="0" kern="1200" dirty="0" smtClean="0">
+              <a:solidFill>
+                <a:schemeClr val="tx1"/>
+              </a:solidFill>
+              <a:effectLst/>
+              <a:latin typeface="+mn-lt"/>
+              <a:ea typeface="+mn-ea"/>
+              <a:cs typeface="+mn-cs"/>
+            </a:endParaRPr>
+          </a:p>
+          <a:p>
+            <a:pPr fontAlgn="ctr"/>
+            <a:r>
+              <a:rPr lang="en-US" sz="1200" b="0" i="0" kern="1200" dirty="0" smtClean="0">
+                <a:solidFill>
+                  <a:schemeClr val="tx1"/>
+                </a:solidFill>
+                <a:effectLst/>
+                <a:latin typeface="+mn-lt"/>
+                <a:ea typeface="+mn-ea"/>
+                <a:cs typeface="+mn-cs"/>
+              </a:rPr>
+              <a:t>In 2016,</a:t>
+            </a:r>
+            <a:r>
+              <a:rPr lang="en-US" sz="1200" b="0" i="0" kern="1200" baseline="0" dirty="0" smtClean="0">
+                <a:solidFill>
+                  <a:schemeClr val="tx1"/>
+                </a:solidFill>
+                <a:effectLst/>
+                <a:latin typeface="+mn-lt"/>
+                <a:ea typeface="+mn-ea"/>
+                <a:cs typeface="+mn-cs"/>
+              </a:rPr>
+              <a:t> International monetary fund (IMF announced that Chinese yuan is included as of one of five global reserve currencies </a:t>
+            </a:r>
+            <a:r>
+              <a:rPr lang="en-US" sz="1200" kern="1200" dirty="0" smtClean="0">
+                <a:solidFill>
+                  <a:schemeClr val="tx1"/>
+                </a:solidFill>
+                <a:effectLst/>
+                <a:latin typeface="+mn-lt"/>
+                <a:ea typeface="+mn-ea"/>
+                <a:cs typeface="+mn-cs"/>
+              </a:rPr>
+              <a:t>along with the U.S. dollar, the euro, Japanese yen, and the British pound.</a:t>
+            </a:r>
+            <a:r>
+              <a:rPr lang="en-US" sz="1200" kern="1200" baseline="0" dirty="0" smtClean="0">
+                <a:solidFill>
+                  <a:schemeClr val="tx1"/>
+                </a:solidFill>
+                <a:effectLst/>
+                <a:latin typeface="+mn-lt"/>
+                <a:ea typeface="+mn-ea"/>
+                <a:cs typeface="+mn-cs"/>
+              </a:rPr>
+              <a:t>  </a:t>
+            </a:r>
+            <a:r>
+              <a:rPr lang="en-US" sz="1200" kern="1200" dirty="0" smtClean="0">
+                <a:solidFill>
+                  <a:schemeClr val="tx1"/>
+                </a:solidFill>
+                <a:effectLst/>
+                <a:latin typeface="+mn-lt"/>
+                <a:ea typeface="+mn-ea"/>
+                <a:cs typeface="+mn-cs"/>
+              </a:rPr>
+              <a:t>Chinese Yuan is the first to be added to SDR since the euro in 1999.   </a:t>
+            </a:r>
+          </a:p>
+          <a:p>
+            <a:pPr fontAlgn="ctr"/>
+            <a:endParaRPr lang="en-US" sz="1200" b="0" i="0" kern="1200" dirty="0" smtClean="0">
+              <a:solidFill>
+                <a:schemeClr val="tx1"/>
+              </a:solidFill>
+              <a:effectLst/>
+              <a:latin typeface="+mn-lt"/>
+              <a:ea typeface="+mn-ea"/>
+              <a:cs typeface="+mn-cs"/>
+            </a:endParaRPr>
+          </a:p>
+          <a:p>
+            <a:pPr fontAlgn="ctr"/>
+            <a:endParaRPr lang="en-US" sz="1200" b="0" i="0" kern="1200" dirty="0" smtClean="0">
+              <a:solidFill>
+                <a:schemeClr val="tx1"/>
+              </a:solidFill>
+              <a:effectLst/>
+              <a:latin typeface="+mn-lt"/>
+              <a:ea typeface="+mn-ea"/>
+              <a:cs typeface="+mn-cs"/>
+            </a:endParaRPr>
+          </a:p>
+          <a:p>
+            <a:r>
+              <a:rPr lang="en-US" dirty="0" smtClean="0"/>
+              <a:t/>
+            </a:r>
+            <a:br>
+              <a:rPr lang="en-US" dirty="0" smtClean="0"/>
+            </a:br>
+            <a:r>
+              <a:rPr lang="en-US" sz="1200" dirty="0" smtClean="0"/>
+              <a:t> </a:t>
+            </a:r>
+          </a:p>
+          <a:p>
+            <a:endParaRPr lang="en-US" sz="1200" b="0" i="0" kern="1200" dirty="0" smtClean="0">
+              <a:solidFill>
+                <a:schemeClr val="tx1"/>
+              </a:solidFill>
+              <a:effectLst/>
+              <a:latin typeface="+mn-lt"/>
+              <a:ea typeface="+mn-ea"/>
+              <a:cs typeface="+mn-cs"/>
+            </a:endParaRPr>
+          </a:p>
+          <a:p>
+            <a:endParaRPr lang="en-US" sz="1200" b="0" i="0" kern="1200" dirty="0" smtClean="0">
+              <a:solidFill>
+                <a:schemeClr val="tx1"/>
+              </a:solidFill>
+              <a:effectLst/>
+              <a:latin typeface="+mn-lt"/>
+              <a:ea typeface="+mn-ea"/>
+              <a:cs typeface="+mn-cs"/>
+            </a:endParaRPr>
+          </a:p>
+          <a:p>
+            <a:r>
+              <a:rPr lang="en-US" sz="1200" b="0" i="0" kern="1200" dirty="0" smtClean="0">
+                <a:solidFill>
+                  <a:schemeClr val="tx1"/>
+                </a:solidFill>
+                <a:effectLst/>
+                <a:latin typeface="+mn-lt"/>
+                <a:ea typeface="+mn-ea"/>
+                <a:cs typeface="+mn-cs"/>
+              </a:rPr>
+              <a:t>https://www.cia.gov/library/publications/the-world-factbook/geos/ch.html</a:t>
+            </a:r>
+          </a:p>
+          <a:p>
+            <a:r>
+              <a:rPr lang="en-US" sz="1200" b="0" i="0" kern="1200" dirty="0" smtClean="0">
+                <a:solidFill>
+                  <a:schemeClr val="tx1"/>
+                </a:solidFill>
+                <a:effectLst/>
+                <a:latin typeface="+mn-lt"/>
+                <a:ea typeface="+mn-ea"/>
+                <a:cs typeface="+mn-cs"/>
+              </a:rPr>
+              <a:t>http://www.heritage.org/research/reports/2015/08/us-national-security-and-rising-china</a:t>
+            </a:r>
+            <a:endParaRPr lang="en-US" dirty="0"/>
+          </a:p>
+        </p:txBody>
+      </p:sp>
+      <p:sp>
+        <p:nvSpPr>
+          <p:cNvPr id="4" name="Slide Number Placeholder 3"/>
+          <p:cNvSpPr>
+            <a:spLocks noGrp="1"/>
+          </p:cNvSpPr>
+          <p:nvPr>
+            <p:ph type="sldNum" sz="quarter" idx="10"/>
+          </p:nvPr>
+        </p:nvSpPr>
+        <p:spPr/>
+        <p:txBody>
+          <a:bodyPr/>
+          <a:lstStyle/>
+          <a:p>
+            <a:fld id="{E4A5C744-A385-49B9-9F95-09143659B6F6}" type="slidenum">
+              <a:rPr lang="en-US" smtClean="0"/>
+              <a:pPr/>
+              <a:t>4</a:t>
+            </a:fld>
+            <a:endParaRPr lang="en-US"/>
+          </a:p>
+        </p:txBody>
+      </p:sp>
+    </p:spTree>
+    <p:extLst>
+      <p:ext uri="{BB962C8B-B14F-4D97-AF65-F5344CB8AC3E}">
+        <p14:creationId xmlns:p14="http://schemas.microsoft.com/office/powerpoint/2010/main" val="1993944443"/>
+      </p:ext>
+    </p:extLst>
+  </p:cSld>
+  <p:clrMapOvr>
+    <a:masterClrMapping/>
+  </p:clrMapOvr>
+</p:notes>
+</file>
+
+<file path=ppt/notesSlides/notesSlide5.xml><?xml version="1.0" encoding="utf-8"?>
+<p:notes xmlns:a="http://schemas.openxmlformats.org/drawingml/2006/main" xmlns:r="http://schemas.openxmlformats.org/officeDocument/2006/relationships" xmlns:p="http://schemas.openxmlformats.org/presentationml/2006/main">
+  <p:cSld>
+    <p:spTree>
+      <p:nvGrpSpPr>
+        <p:cNvPr id="1" name=""/>
+        <p:cNvGrpSpPr/>
+        <p:nvPr/>
+      </p:nvGrpSpPr>
+      <p:grpSpPr>
+        <a:xfrm>
+          <a:off x="0" y="0"/>
+          <a:ext cx="0" cy="0"/>
+          <a:chOff x="0" y="0"/>
+          <a:chExt cx="0" cy="0"/>
+        </a:xfrm>
+      </p:grpSpPr>
+      <p:sp>
+        <p:nvSpPr>
+          <p:cNvPr id="2" name="Slide Image Placeholder 1"/>
+          <p:cNvSpPr>
+            <a:spLocks noGrp="1" noRot="1" noChangeAspect="1"/>
+          </p:cNvSpPr>
+          <p:nvPr>
+            <p:ph type="sldImg"/>
+          </p:nvPr>
+        </p:nvSpPr>
+        <p:spPr/>
+      </p:sp>
+      <p:sp>
+        <p:nvSpPr>
+          <p:cNvPr id="3" name="Notes Placeholder 2"/>
+          <p:cNvSpPr>
+            <a:spLocks noGrp="1"/>
+          </p:cNvSpPr>
+          <p:nvPr>
+            <p:ph type="body" idx="1"/>
+          </p:nvPr>
+        </p:nvSpPr>
+        <p:spPr/>
+        <p:txBody>
+          <a:bodyPr>
+            <a:normAutofit/>
+          </a:bodyPr>
+          <a:lstStyle/>
+          <a:p>
+            <a:r>
+              <a:rPr lang="en-US" sz="1200" kern="1200" dirty="0" smtClean="0">
+                <a:solidFill>
+                  <a:schemeClr val="tx1"/>
+                </a:solidFill>
+                <a:effectLst/>
+                <a:latin typeface="+mn-lt"/>
+                <a:ea typeface="+mn-ea"/>
+                <a:cs typeface="+mn-cs"/>
+              </a:rPr>
+              <a:t>Despite the rapid economic growth China has made, there are some challenges the Chinese government faces,</a:t>
+            </a:r>
           </a:p>
           <a:p>
             <a:pPr marL="0" marR="0" lvl="0" indent="0" algn="l" defTabSz="914400" rtl="0" eaLnBrk="1" fontAlgn="auto" latinLnBrk="0" hangingPunct="1">
@@ -1397,16 +1307,687 @@
               <a:defRPr/>
             </a:pPr>
             <a:r>
+              <a:rPr lang="en-US" sz="1200" b="0" i="0" kern="1200" dirty="0" smtClean="0">
+                <a:solidFill>
+                  <a:schemeClr val="tx1"/>
+                </a:solidFill>
+                <a:effectLst/>
+                <a:latin typeface="+mn-lt"/>
+                <a:ea typeface="+mn-ea"/>
+                <a:cs typeface="+mn-cs"/>
+              </a:rPr>
+              <a:t> China's per capita income is below the world average.</a:t>
+            </a:r>
+          </a:p>
+          <a:p>
+            <a:endParaRPr lang="en-US" sz="1200" kern="1200" dirty="0" smtClean="0">
+              <a:solidFill>
+                <a:schemeClr val="tx1"/>
+              </a:solidFill>
+              <a:effectLst/>
+              <a:latin typeface="+mn-lt"/>
+              <a:ea typeface="+mn-ea"/>
+              <a:cs typeface="+mn-cs"/>
+            </a:endParaRPr>
+          </a:p>
+          <a:p>
+            <a:endParaRPr lang="en-US" sz="1200" kern="1200" dirty="0" smtClean="0">
+              <a:solidFill>
+                <a:schemeClr val="tx1"/>
+              </a:solidFill>
+              <a:effectLst/>
+              <a:latin typeface="+mn-lt"/>
+              <a:ea typeface="+mn-ea"/>
+              <a:cs typeface="+mn-cs"/>
+            </a:endParaRPr>
+          </a:p>
+          <a:p>
+            <a:r>
+              <a:rPr lang="en-US" sz="1200" kern="1200" dirty="0" smtClean="0">
+                <a:solidFill>
+                  <a:schemeClr val="tx1"/>
+                </a:solidFill>
+                <a:effectLst/>
+                <a:latin typeface="+mn-lt"/>
+                <a:ea typeface="+mn-ea"/>
+                <a:cs typeface="+mn-cs"/>
+              </a:rPr>
+              <a:t> Based on CIA world Factbook on China, high housing price and low domestic consumption.  </a:t>
+            </a:r>
+          </a:p>
+          <a:p>
+            <a:endParaRPr lang="en-US" sz="1200" kern="1200" dirty="0" smtClean="0">
+              <a:solidFill>
+                <a:schemeClr val="tx1"/>
+              </a:solidFill>
+              <a:effectLst/>
+              <a:latin typeface="+mn-lt"/>
+              <a:ea typeface="+mn-ea"/>
+              <a:cs typeface="+mn-cs"/>
+            </a:endParaRPr>
+          </a:p>
+          <a:p>
+            <a:r>
+              <a:rPr lang="en-US" sz="1200" kern="1200" dirty="0" smtClean="0">
+                <a:solidFill>
+                  <a:schemeClr val="tx1"/>
+                </a:solidFill>
+                <a:effectLst/>
+                <a:latin typeface="+mn-lt"/>
+                <a:ea typeface="+mn-ea"/>
+                <a:cs typeface="+mn-cs"/>
+              </a:rPr>
+              <a:t>The median housing price in some</a:t>
+            </a:r>
+            <a:r>
+              <a:rPr lang="en-US" sz="1200" kern="1200" baseline="0" dirty="0" smtClean="0">
+                <a:solidFill>
+                  <a:schemeClr val="tx1"/>
+                </a:solidFill>
+                <a:effectLst/>
+                <a:latin typeface="+mn-lt"/>
+                <a:ea typeface="+mn-ea"/>
+                <a:cs typeface="+mn-cs"/>
+              </a:rPr>
+              <a:t> big cities such as </a:t>
+            </a:r>
+            <a:r>
+              <a:rPr lang="en-US" sz="1200" kern="1200" dirty="0" smtClean="0">
+                <a:solidFill>
+                  <a:schemeClr val="tx1"/>
+                </a:solidFill>
+                <a:effectLst/>
+                <a:latin typeface="+mn-lt"/>
+                <a:ea typeface="+mn-ea"/>
+                <a:cs typeface="+mn-cs"/>
+              </a:rPr>
+              <a:t>Beijing and Shanghai has exceeded $1000.00</a:t>
+            </a:r>
+            <a:r>
+              <a:rPr lang="en-US" sz="1200" kern="1200" baseline="0" dirty="0" smtClean="0">
+                <a:solidFill>
+                  <a:schemeClr val="tx1"/>
+                </a:solidFill>
+                <a:effectLst/>
+                <a:latin typeface="+mn-lt"/>
+                <a:ea typeface="+mn-ea"/>
+                <a:cs typeface="+mn-cs"/>
+              </a:rPr>
+              <a:t> per </a:t>
+            </a:r>
+            <a:r>
+              <a:rPr lang="en-US" sz="1200" kern="1200" baseline="0" dirty="0" err="1" smtClean="0">
+                <a:solidFill>
+                  <a:schemeClr val="tx1"/>
+                </a:solidFill>
+                <a:effectLst/>
+                <a:latin typeface="+mn-lt"/>
+                <a:ea typeface="+mn-ea"/>
+                <a:cs typeface="+mn-cs"/>
+              </a:rPr>
+              <a:t>sqft</a:t>
+            </a:r>
+            <a:r>
+              <a:rPr lang="en-US" sz="1200" kern="1200" baseline="0" dirty="0" smtClean="0">
+                <a:solidFill>
+                  <a:schemeClr val="tx1"/>
+                </a:solidFill>
+                <a:effectLst/>
+                <a:latin typeface="+mn-lt"/>
+                <a:ea typeface="+mn-ea"/>
+                <a:cs typeface="+mn-cs"/>
+              </a:rPr>
+              <a:t>.</a:t>
+            </a:r>
+            <a:r>
+              <a:rPr lang="en-US" sz="1200" kern="1200" dirty="0" smtClean="0">
+                <a:solidFill>
+                  <a:schemeClr val="tx1"/>
+                </a:solidFill>
+                <a:effectLst/>
+                <a:latin typeface="+mn-lt"/>
+                <a:ea typeface="+mn-ea"/>
+                <a:cs typeface="+mn-cs"/>
+              </a:rPr>
+              <a:t>  </a:t>
+            </a:r>
+          </a:p>
+          <a:p>
+            <a:endParaRPr lang="en-US" sz="1200" kern="1200" dirty="0" smtClean="0">
+              <a:solidFill>
+                <a:schemeClr val="tx1"/>
+              </a:solidFill>
+              <a:effectLst/>
+              <a:latin typeface="+mn-lt"/>
+              <a:ea typeface="+mn-ea"/>
+              <a:cs typeface="+mn-cs"/>
+            </a:endParaRPr>
+          </a:p>
+          <a:p>
+            <a:r>
+              <a:rPr lang="en-US" sz="1200" kern="1200" dirty="0" smtClean="0">
+                <a:solidFill>
+                  <a:schemeClr val="tx1"/>
+                </a:solidFill>
+                <a:effectLst/>
+                <a:latin typeface="+mn-lt"/>
+                <a:ea typeface="+mn-ea"/>
+                <a:cs typeface="+mn-cs"/>
+              </a:rPr>
+              <a:t>Economy Crimes and corruptions,  BBC news</a:t>
+            </a:r>
+            <a:r>
+              <a:rPr lang="en-US" sz="1200" kern="1200" baseline="0" dirty="0" smtClean="0">
+                <a:solidFill>
+                  <a:schemeClr val="tx1"/>
+                </a:solidFill>
+                <a:effectLst/>
+                <a:latin typeface="+mn-lt"/>
+                <a:ea typeface="+mn-ea"/>
+                <a:cs typeface="+mn-cs"/>
+              </a:rPr>
+              <a:t> reported in July Chinese four star General </a:t>
+            </a:r>
+            <a:r>
+              <a:rPr lang="en-US" sz="1200" kern="1200" baseline="0" dirty="0" err="1" smtClean="0">
+                <a:solidFill>
+                  <a:schemeClr val="tx1"/>
+                </a:solidFill>
+                <a:effectLst/>
+                <a:latin typeface="+mn-lt"/>
+                <a:ea typeface="+mn-ea"/>
+                <a:cs typeface="+mn-cs"/>
+              </a:rPr>
+              <a:t>Guo</a:t>
+            </a:r>
+            <a:r>
+              <a:rPr lang="en-US" sz="1200" kern="1200" baseline="0" dirty="0" smtClean="0">
+                <a:solidFill>
+                  <a:schemeClr val="tx1"/>
+                </a:solidFill>
+                <a:effectLst/>
+                <a:latin typeface="+mn-lt"/>
+                <a:ea typeface="+mn-ea"/>
+                <a:cs typeface="+mn-cs"/>
+              </a:rPr>
+              <a:t> was sentenced to life for corruption.  He is second general accused of bribes in three years.  (http://www.bbc.com/news/world-asia-china-36883608)</a:t>
+            </a:r>
+            <a:endParaRPr lang="en-US" sz="1200" kern="1200" dirty="0" smtClean="0">
+              <a:solidFill>
+                <a:schemeClr val="tx1"/>
+              </a:solidFill>
+              <a:effectLst/>
+              <a:latin typeface="+mn-lt"/>
+              <a:ea typeface="+mn-ea"/>
+              <a:cs typeface="+mn-cs"/>
+            </a:endParaRPr>
+          </a:p>
+          <a:p>
+            <a:endParaRPr lang="en-US" sz="1200" kern="1200" dirty="0" smtClean="0">
+              <a:solidFill>
+                <a:schemeClr val="tx1"/>
+              </a:solidFill>
+              <a:effectLst/>
+              <a:latin typeface="+mn-lt"/>
+              <a:ea typeface="+mn-ea"/>
+              <a:cs typeface="+mn-cs"/>
+            </a:endParaRPr>
+          </a:p>
+          <a:p>
+            <a:r>
+              <a:rPr lang="en-US" sz="1200" kern="1200" dirty="0" smtClean="0">
+                <a:solidFill>
+                  <a:schemeClr val="tx1"/>
+                </a:solidFill>
+                <a:effectLst/>
+                <a:latin typeface="+mn-lt"/>
+                <a:ea typeface="+mn-ea"/>
+                <a:cs typeface="+mn-cs"/>
+              </a:rPr>
+              <a:t>and environmental damage. are the three main challenges the Chinese are facing (council on foreign relations http://www.cfr.org/china/chinas-environmental-crisis/p12608)</a:t>
+            </a:r>
+          </a:p>
+          <a:p>
+            <a:endParaRPr lang="en-US" dirty="0"/>
+          </a:p>
+        </p:txBody>
+      </p:sp>
+      <p:sp>
+        <p:nvSpPr>
+          <p:cNvPr id="4" name="Slide Number Placeholder 3"/>
+          <p:cNvSpPr>
+            <a:spLocks noGrp="1"/>
+          </p:cNvSpPr>
+          <p:nvPr>
+            <p:ph type="sldNum" sz="quarter" idx="10"/>
+          </p:nvPr>
+        </p:nvSpPr>
+        <p:spPr/>
+        <p:txBody>
+          <a:bodyPr/>
+          <a:lstStyle/>
+          <a:p>
+            <a:fld id="{E4A5C744-A385-49B9-9F95-09143659B6F6}" type="slidenum">
+              <a:rPr lang="en-US" smtClean="0"/>
+              <a:pPr/>
+              <a:t>5</a:t>
+            </a:fld>
+            <a:endParaRPr lang="en-US"/>
+          </a:p>
+        </p:txBody>
+      </p:sp>
+    </p:spTree>
+    <p:extLst>
+      <p:ext uri="{BB962C8B-B14F-4D97-AF65-F5344CB8AC3E}">
+        <p14:creationId xmlns:p14="http://schemas.microsoft.com/office/powerpoint/2010/main" val="2817341529"/>
+      </p:ext>
+    </p:extLst>
+  </p:cSld>
+  <p:clrMapOvr>
+    <a:masterClrMapping/>
+  </p:clrMapOvr>
+</p:notes>
+</file>
+
+<file path=ppt/notesSlides/notesSlide6.xml><?xml version="1.0" encoding="utf-8"?>
+<p:notes xmlns:a="http://schemas.openxmlformats.org/drawingml/2006/main" xmlns:r="http://schemas.openxmlformats.org/officeDocument/2006/relationships" xmlns:p="http://schemas.openxmlformats.org/presentationml/2006/main">
+  <p:cSld>
+    <p:spTree>
+      <p:nvGrpSpPr>
+        <p:cNvPr id="1" name=""/>
+        <p:cNvGrpSpPr/>
+        <p:nvPr/>
+      </p:nvGrpSpPr>
+      <p:grpSpPr>
+        <a:xfrm>
+          <a:off x="0" y="0"/>
+          <a:ext cx="0" cy="0"/>
+          <a:chOff x="0" y="0"/>
+          <a:chExt cx="0" cy="0"/>
+        </a:xfrm>
+      </p:grpSpPr>
+      <p:sp>
+        <p:nvSpPr>
+          <p:cNvPr id="2" name="Slide Image Placeholder 1"/>
+          <p:cNvSpPr>
+            <a:spLocks noGrp="1" noRot="1" noChangeAspect="1"/>
+          </p:cNvSpPr>
+          <p:nvPr>
+            <p:ph type="sldImg"/>
+          </p:nvPr>
+        </p:nvSpPr>
+        <p:spPr/>
+      </p:sp>
+      <p:sp>
+        <p:nvSpPr>
+          <p:cNvPr id="3" name="Notes Placeholder 2"/>
+          <p:cNvSpPr>
+            <a:spLocks noGrp="1"/>
+          </p:cNvSpPr>
+          <p:nvPr>
+            <p:ph type="body" idx="1"/>
+          </p:nvPr>
+        </p:nvSpPr>
+        <p:spPr/>
+        <p:txBody>
+          <a:bodyPr/>
+          <a:lstStyle/>
+          <a:p>
+            <a:r>
+              <a:rPr lang="en-US" sz="1200" kern="1200" dirty="0" smtClean="0">
+                <a:solidFill>
+                  <a:schemeClr val="tx1"/>
+                </a:solidFill>
+                <a:effectLst/>
+                <a:latin typeface="+mn-lt"/>
+                <a:ea typeface="+mn-ea"/>
+                <a:cs typeface="+mn-cs"/>
+              </a:rPr>
+              <a:t>Nearly 1.2 billion people (around 16% of the world's population) speak some form of Chinese as their </a:t>
+            </a:r>
+            <a:r>
+              <a:rPr lang="en-US" sz="1200" u="sng" kern="1200" dirty="0" smtClean="0">
+                <a:solidFill>
+                  <a:schemeClr val="tx1"/>
+                </a:solidFill>
+                <a:effectLst/>
+                <a:latin typeface="+mn-lt"/>
+                <a:ea typeface="+mn-ea"/>
+                <a:cs typeface="+mn-cs"/>
+                <a:hlinkClick r:id="rId3"/>
+              </a:rPr>
+              <a:t>first language</a:t>
+            </a:r>
+            <a:r>
+              <a:rPr lang="en-US" sz="1200" kern="1200" dirty="0" smtClean="0">
+                <a:solidFill>
+                  <a:schemeClr val="tx1"/>
+                </a:solidFill>
+                <a:effectLst/>
+                <a:latin typeface="+mn-lt"/>
+                <a:ea typeface="+mn-ea"/>
+                <a:cs typeface="+mn-cs"/>
+              </a:rPr>
+              <a:t>.  There are over 10 different types of dialects spoken in China</a:t>
+            </a:r>
+            <a:r>
+              <a:rPr lang="en-US" sz="1200" kern="1200" baseline="30000" dirty="0" smtClean="0">
+                <a:solidFill>
+                  <a:schemeClr val="tx1"/>
+                </a:solidFill>
+                <a:effectLst/>
+                <a:latin typeface="+mn-lt"/>
+                <a:ea typeface="+mn-ea"/>
+                <a:cs typeface="+mn-cs"/>
+              </a:rPr>
+              <a:t> 2</a:t>
+            </a:r>
+            <a:endParaRPr lang="en-US" sz="1200" kern="1200" dirty="0" smtClean="0">
+              <a:solidFill>
+                <a:schemeClr val="tx1"/>
+              </a:solidFill>
+              <a:effectLst/>
+              <a:latin typeface="+mn-lt"/>
+              <a:ea typeface="+mn-ea"/>
+              <a:cs typeface="+mn-cs"/>
+            </a:endParaRPr>
+          </a:p>
+          <a:p>
+            <a:endParaRPr lang="en-US" sz="1200" kern="1200" dirty="0" smtClean="0">
+              <a:solidFill>
+                <a:schemeClr val="tx1"/>
+              </a:solidFill>
+              <a:effectLst/>
+              <a:latin typeface="+mn-lt"/>
+              <a:ea typeface="+mn-ea"/>
+              <a:cs typeface="+mn-cs"/>
+            </a:endParaRPr>
+          </a:p>
+          <a:p>
+            <a:r>
+              <a:rPr lang="en-US" sz="1200" kern="1200" dirty="0" smtClean="0">
+                <a:solidFill>
+                  <a:schemeClr val="tx1"/>
+                </a:solidFill>
+                <a:effectLst/>
+                <a:latin typeface="+mn-lt"/>
+                <a:ea typeface="+mn-ea"/>
+                <a:cs typeface="+mn-cs"/>
+              </a:rPr>
+              <a:t>Mandarin is the most widely spoken dialect in China. There are more than 800 million people that can understand and speak Mandarin.  It is based on the dialect in Beijing, the capital of China.  Cantonese is widely spoken dialect in Canton province, Hong </a:t>
+            </a:r>
+            <a:r>
+              <a:rPr lang="en-US" sz="1200" kern="1200" dirty="0" err="1" smtClean="0">
+                <a:solidFill>
+                  <a:schemeClr val="tx1"/>
+                </a:solidFill>
+                <a:effectLst/>
+                <a:latin typeface="+mn-lt"/>
+                <a:ea typeface="+mn-ea"/>
+                <a:cs typeface="+mn-cs"/>
+              </a:rPr>
+              <a:t>kong</a:t>
+            </a:r>
+            <a:r>
+              <a:rPr lang="en-US" sz="1200" kern="1200" dirty="0" smtClean="0">
+                <a:solidFill>
+                  <a:schemeClr val="tx1"/>
+                </a:solidFill>
+                <a:effectLst/>
+                <a:latin typeface="+mn-lt"/>
+                <a:ea typeface="+mn-ea"/>
+                <a:cs typeface="+mn-cs"/>
+              </a:rPr>
+              <a:t> and Marco. (Charles N. Li, Sandra A. Thompson in their paper </a:t>
+            </a:r>
+            <a:r>
+              <a:rPr lang="en-US" sz="1200" i="1" kern="1200" dirty="0" smtClean="0">
+                <a:solidFill>
+                  <a:schemeClr val="tx1"/>
+                </a:solidFill>
+                <a:effectLst/>
+                <a:latin typeface="+mn-lt"/>
+                <a:ea typeface="+mn-ea"/>
+                <a:cs typeface="+mn-cs"/>
+              </a:rPr>
+              <a:t>Mandarin Chinese: A Functional Reference Grammar</a:t>
+            </a:r>
+            <a:r>
+              <a:rPr lang="en-US" sz="1200" kern="1200" dirty="0" smtClean="0">
+                <a:solidFill>
+                  <a:schemeClr val="tx1"/>
+                </a:solidFill>
+                <a:effectLst/>
+                <a:latin typeface="+mn-lt"/>
+                <a:ea typeface="+mn-ea"/>
+                <a:cs typeface="+mn-cs"/>
+              </a:rPr>
+              <a:t> (1989) pointed out that people speak different dialects can not understand each other. </a:t>
+            </a:r>
+          </a:p>
+          <a:p>
+            <a:endParaRPr lang="en-US" sz="1200" kern="1200" dirty="0" smtClean="0">
+              <a:solidFill>
+                <a:schemeClr val="tx1"/>
+              </a:solidFill>
+              <a:effectLst/>
+              <a:latin typeface="+mn-lt"/>
+              <a:ea typeface="+mn-ea"/>
+              <a:cs typeface="+mn-cs"/>
+            </a:endParaRPr>
+          </a:p>
+          <a:p>
+            <a:r>
+              <a:rPr lang="en-US" sz="1200" kern="1200" dirty="0" smtClean="0">
+                <a:solidFill>
+                  <a:schemeClr val="tx1"/>
+                </a:solidFill>
+                <a:effectLst/>
+                <a:latin typeface="+mn-lt"/>
+                <a:ea typeface="+mn-ea"/>
+                <a:cs typeface="+mn-cs"/>
+              </a:rPr>
+              <a:t>However, the written form is shared by all the Chinese speakers.  </a:t>
+            </a:r>
+          </a:p>
+          <a:p>
+            <a:endParaRPr lang="en-US" sz="1200" kern="1200" dirty="0" smtClean="0">
+              <a:solidFill>
+                <a:schemeClr val="tx1"/>
+              </a:solidFill>
+              <a:effectLst/>
+              <a:latin typeface="+mn-lt"/>
+              <a:ea typeface="+mn-ea"/>
+              <a:cs typeface="+mn-cs"/>
+            </a:endParaRPr>
+          </a:p>
+          <a:p>
+            <a:r>
+              <a:rPr lang="en-US" sz="1200" kern="1200" dirty="0" smtClean="0">
+                <a:solidFill>
+                  <a:schemeClr val="tx1"/>
+                </a:solidFill>
+                <a:effectLst/>
+                <a:latin typeface="+mn-lt"/>
+                <a:ea typeface="+mn-ea"/>
+                <a:cs typeface="+mn-cs"/>
+              </a:rPr>
+              <a:t>Unlike many other languages around the world, written Chinese uses a pictorial representation instead of a phonetic one.</a:t>
+            </a:r>
+            <a:r>
+              <a:rPr lang="en-US" sz="1200" kern="1200" baseline="30000" dirty="0" smtClean="0">
+                <a:solidFill>
+                  <a:schemeClr val="tx1"/>
+                </a:solidFill>
+                <a:effectLst/>
+                <a:latin typeface="+mn-lt"/>
+                <a:ea typeface="+mn-ea"/>
+                <a:cs typeface="+mn-cs"/>
+              </a:rPr>
+              <a:t> 16</a:t>
+            </a:r>
+          </a:p>
+          <a:p>
+            <a:endParaRPr lang="en-US" sz="1200" kern="1200" baseline="30000" dirty="0" smtClean="0">
+              <a:solidFill>
+                <a:schemeClr val="tx1"/>
+              </a:solidFill>
+              <a:effectLst/>
+              <a:latin typeface="+mn-lt"/>
+              <a:ea typeface="+mn-ea"/>
+              <a:cs typeface="+mn-cs"/>
+            </a:endParaRPr>
+          </a:p>
+          <a:p>
+            <a:r>
+              <a:rPr lang="en-US" sz="1200" kern="1200" baseline="0" dirty="0" smtClean="0">
+                <a:solidFill>
+                  <a:schemeClr val="tx1"/>
+                </a:solidFill>
+                <a:effectLst/>
+                <a:latin typeface="+mn-lt"/>
+                <a:ea typeface="+mn-ea"/>
+                <a:cs typeface="+mn-cs"/>
+              </a:rPr>
+              <a:t>picture is from http://www.onetoonechinese.com/learn-to-read-chinese-in-eight-minutes-with-pictures/</a:t>
+            </a:r>
+            <a:r>
+              <a:rPr lang="en-US" sz="1200" kern="1200" baseline="30000" dirty="0" smtClean="0">
+                <a:solidFill>
+                  <a:schemeClr val="tx1"/>
+                </a:solidFill>
+                <a:effectLst/>
+                <a:latin typeface="+mn-lt"/>
+                <a:ea typeface="+mn-ea"/>
+                <a:cs typeface="+mn-cs"/>
+              </a:rPr>
+              <a:t>)</a:t>
+            </a:r>
+            <a:endParaRPr lang="en-US" sz="1200" kern="1200" dirty="0" smtClean="0">
+              <a:solidFill>
+                <a:schemeClr val="tx1"/>
+              </a:solidFill>
+              <a:effectLst/>
+              <a:latin typeface="+mn-lt"/>
+              <a:ea typeface="+mn-ea"/>
+              <a:cs typeface="+mn-cs"/>
+            </a:endParaRPr>
+          </a:p>
+          <a:p>
+            <a:endParaRPr lang="en-US" sz="1200" b="0" i="0" kern="1200" dirty="0" smtClean="0">
+              <a:solidFill>
+                <a:schemeClr val="tx1"/>
+              </a:solidFill>
+              <a:effectLst/>
+              <a:latin typeface="+mn-lt"/>
+              <a:ea typeface="+mn-ea"/>
+              <a:cs typeface="+mn-cs"/>
+            </a:endParaRPr>
+          </a:p>
+        </p:txBody>
+      </p:sp>
+      <p:sp>
+        <p:nvSpPr>
+          <p:cNvPr id="4" name="Slide Number Placeholder 3"/>
+          <p:cNvSpPr>
+            <a:spLocks noGrp="1"/>
+          </p:cNvSpPr>
+          <p:nvPr>
+            <p:ph type="sldNum" sz="quarter" idx="10"/>
+          </p:nvPr>
+        </p:nvSpPr>
+        <p:spPr/>
+        <p:txBody>
+          <a:bodyPr/>
+          <a:lstStyle/>
+          <a:p>
+            <a:fld id="{E4A5C744-A385-49B9-9F95-09143659B6F6}" type="slidenum">
+              <a:rPr lang="en-US" smtClean="0"/>
+              <a:pPr/>
+              <a:t>7</a:t>
+            </a:fld>
+            <a:endParaRPr lang="en-US"/>
+          </a:p>
+        </p:txBody>
+      </p:sp>
+    </p:spTree>
+    <p:extLst>
+      <p:ext uri="{BB962C8B-B14F-4D97-AF65-F5344CB8AC3E}">
+        <p14:creationId xmlns:p14="http://schemas.microsoft.com/office/powerpoint/2010/main" val="1946368341"/>
+      </p:ext>
+    </p:extLst>
+  </p:cSld>
+  <p:clrMapOvr>
+    <a:masterClrMapping/>
+  </p:clrMapOvr>
+</p:notes>
+</file>
+
+<file path=ppt/notesSlides/notesSlide7.xml><?xml version="1.0" encoding="utf-8"?>
+<p:notes xmlns:a="http://schemas.openxmlformats.org/drawingml/2006/main" xmlns:r="http://schemas.openxmlformats.org/officeDocument/2006/relationships" xmlns:p="http://schemas.openxmlformats.org/presentationml/2006/main">
+  <p:cSld>
+    <p:spTree>
+      <p:nvGrpSpPr>
+        <p:cNvPr id="1" name=""/>
+        <p:cNvGrpSpPr/>
+        <p:nvPr/>
+      </p:nvGrpSpPr>
+      <p:grpSpPr>
+        <a:xfrm>
+          <a:off x="0" y="0"/>
+          <a:ext cx="0" cy="0"/>
+          <a:chOff x="0" y="0"/>
+          <a:chExt cx="0" cy="0"/>
+        </a:xfrm>
+      </p:grpSpPr>
+      <p:sp>
+        <p:nvSpPr>
+          <p:cNvPr id="2" name="Slide Image Placeholder 1"/>
+          <p:cNvSpPr>
+            <a:spLocks noGrp="1" noRot="1" noChangeAspect="1"/>
+          </p:cNvSpPr>
+          <p:nvPr>
+            <p:ph type="sldImg"/>
+          </p:nvPr>
+        </p:nvSpPr>
+        <p:spPr/>
+      </p:sp>
+      <p:sp>
+        <p:nvSpPr>
+          <p:cNvPr id="3" name="Notes Placeholder 2"/>
+          <p:cNvSpPr>
+            <a:spLocks noGrp="1"/>
+          </p:cNvSpPr>
+          <p:nvPr>
+            <p:ph type="body" idx="1"/>
+          </p:nvPr>
+        </p:nvSpPr>
+        <p:spPr/>
+        <p:txBody>
+          <a:bodyPr>
+            <a:normAutofit fontScale="70000" lnSpcReduction="20000"/>
+          </a:bodyPr>
+          <a:lstStyle/>
+          <a:p>
+            <a:pPr marL="0" indent="0" eaLnBrk="1" hangingPunct="1">
+              <a:lnSpc>
+                <a:spcPct val="125000"/>
+              </a:lnSpc>
+              <a:buSzPct val="75000"/>
+              <a:buFont typeface="Wingdings" pitchFamily="2" charset="2"/>
+              <a:buNone/>
+            </a:pPr>
+            <a:r>
               <a:rPr lang="en-US" sz="1200" dirty="0" smtClean="0"/>
-              <a:t>The U.S. is China’s largest export market</a:t>
-            </a:r>
-            <a:r>
-              <a:rPr lang="en-US" sz="1200" b="1" dirty="0" smtClean="0"/>
-              <a:t> </a:t>
+              <a:t>China is the US</a:t>
+            </a:r>
+            <a:r>
+              <a:rPr lang="en-US" sz="1200" baseline="0" dirty="0" smtClean="0"/>
+              <a:t> trading partner.   </a:t>
             </a:r>
             <a:r>
               <a:rPr lang="en-US" sz="1200" dirty="0" smtClean="0"/>
-              <a:t>and China is currently the third largest export market for the U.S.</a:t>
+              <a:t>China is currently the third largest export market and largest import market for the U.S.</a:t>
             </a:r>
             <a:r>
               <a:rPr lang="en-US" sz="1200" baseline="30000" dirty="0" smtClean="0"/>
@@ -1447,7 +2028,7 @@
               <a:defRPr/>
             </a:pPr>
             <a:r>
-              <a:rPr lang="en-US" sz="1200" b="0" i="0" kern="1200" dirty="0" smtClean="0">
+              <a:rPr lang="en-US" sz="1200" kern="1200" dirty="0" smtClean="0">
                 <a:solidFill>
                   <a:schemeClr val="tx1"/>
                 </a:solidFill>
@@ -1456,10 +2037,10 @@
                 <a:ea typeface="+mn-ea"/>
                 <a:cs typeface="+mn-cs"/>
               </a:rPr>
-              <a:t>The United States welcomes a strong, peaceful, and prosperous China playing a greater role in world affairs. For instance,</a:t>
-            </a:r>
-            <a:r>
-              <a:rPr lang="en-US" sz="1200" b="0" i="0" kern="1200" baseline="0" dirty="0" smtClean="0">
+              <a:t>US welcomes</a:t>
+            </a:r>
+            <a:r>
+              <a:rPr lang="en-US" sz="1200" kern="1200" baseline="0" dirty="0" smtClean="0">
                 <a:solidFill>
                   <a:schemeClr val="tx1"/>
                 </a:solidFill>
@@ -1470,15 +2051,42 @@
               </a:rPr>
               <a:t> </a:t>
             </a:r>
-            <a:endParaRPr lang="en-US" sz="1200" b="0" i="0" kern="1200" dirty="0" smtClean="0">
-              <a:solidFill>
-                <a:schemeClr val="tx1"/>
-              </a:solidFill>
-              <a:effectLst/>
-              <a:latin typeface="+mn-lt"/>
-              <a:ea typeface="+mn-ea"/>
-              <a:cs typeface="+mn-cs"/>
-            </a:endParaRPr>
+            <a:r>
+              <a:rPr lang="en-US" sz="1200" kern="1200" dirty="0" smtClean="0">
+                <a:solidFill>
+                  <a:schemeClr val="tx1"/>
+                </a:solidFill>
+                <a:effectLst/>
+                <a:latin typeface="+mn-lt"/>
+                <a:ea typeface="+mn-ea"/>
+                <a:cs typeface="+mn-cs"/>
+              </a:rPr>
+              <a:t>a peaceful and prosperous China to play a bigger role in addressing global challenges. For instance, nuclear proliferation concerns in North Korea and Iran.  Because bot</a:t>
+            </a:r>
+            <a:r>
+              <a:rPr lang="en-US" sz="1200" kern="1200" baseline="0" dirty="0" smtClean="0">
+                <a:solidFill>
+                  <a:schemeClr val="tx1"/>
+                </a:solidFill>
+                <a:effectLst/>
+                <a:latin typeface="+mn-lt"/>
+                <a:ea typeface="+mn-ea"/>
+                <a:cs typeface="+mn-cs"/>
+              </a:rPr>
+              <a:t>h Iran and north Korea </a:t>
+            </a:r>
+            <a:r>
+              <a:rPr lang="en-US" sz="1200" kern="1200" dirty="0" smtClean="0">
+                <a:solidFill>
+                  <a:schemeClr val="tx1"/>
+                </a:solidFill>
+                <a:effectLst/>
+                <a:latin typeface="+mn-lt"/>
+                <a:ea typeface="+mn-ea"/>
+                <a:cs typeface="+mn-cs"/>
+              </a:rPr>
+              <a:t>have close economy and energy ties with China.  </a:t>
+            </a:r>
           </a:p>
           <a:p>
             <a:pPr marL="0" marR="0" lvl="0" indent="0" algn="l" defTabSz="914400" rtl="0" eaLnBrk="1" fontAlgn="auto" latinLnBrk="0" hangingPunct="1">
@@ -1526,20 +2134,6 @@
               <a:tabLst/>
               <a:defRPr/>
             </a:pPr>
-            <a:r>
-              <a:rPr lang="en-US" sz="1200" b="0" i="0" kern="1200" dirty="0" smtClean="0">
-                <a:solidFill>
-                  <a:schemeClr val="tx1"/>
-                </a:solidFill>
-                <a:effectLst/>
-                <a:latin typeface="+mn-lt"/>
-                <a:ea typeface="+mn-ea"/>
-                <a:cs typeface="+mn-cs"/>
-              </a:rPr>
-              <a:t> and seeks to advance practical cooperation with China. </a:t>
-            </a:r>
-          </a:p>
-          <a:p>
             <a:endParaRPr lang="en-US" sz="1200" b="0" i="0" kern="1200" dirty="0" smtClean="0">
               <a:solidFill>
                 <a:schemeClr val="tx1"/>
@@ -1898,7 +2492,7 @@
 </p:notes>
 </file>
 
-<file path=ppt/notesSlides/notesSlide5.xml><?xml version="1.0" encoding="utf-8"?>
+<file path=ppt/notesSlides/notesSlide8.xml><?xml version="1.0" encoding="utf-8"?>
 <p:notes xmlns:a="http://schemas.openxmlformats.org/drawingml/2006/main" xmlns:r="http://schemas.openxmlformats.org/officeDocument/2006/relationships" xmlns:p="http://schemas.openxmlformats.org/presentationml/2006/main">
   <p:cSld>
     <p:spTree>
@@ -2043,7 +2637,7 @@
 </p:notes>
 </file>
 
-<file path=ppt/notesSlides/notesSlide6.xml><?xml version="1.0" encoding="utf-8"?>
+<file path=ppt/notesSlides/notesSlide9.xml><?xml version="1.0" encoding="utf-8"?>
 <p:notes xmlns:a="http://schemas.openxmlformats.org/drawingml/2006/main" xmlns:r="http://schemas.openxmlformats.org/officeDocument/2006/relationships" xmlns:p="http://schemas.openxmlformats.org/presentationml/2006/main">
   <p:cSld>
     <p:spTree>
@@ -2138,7 +2732,7 @@
     </p:spTree>
     <p:extLst>
       <p:ext uri="{BB962C8B-B14F-4D97-AF65-F5344CB8AC3E}">
-        <p14:creationId xmlns:p14="http://schemas.microsoft.com/office/powerpoint/2010/main" val="1980947466"/>
+        <p14:creationId xmlns:p14="http://schemas.microsoft.com/office/powerpoint/2010/main" val="2253208886"/>
       </p:ext>
     </p:extLst>
   </p:cSld>
@@ -2396,7 +2990,7 @@
             <a:fld id="{7CDCAE67-E89D-4BB4-B61B-54BC0670CF18}" type="datetime1">
               <a:rPr lang="en-US"/>
               <a:pPr/>
-              <a:t>10/2/2016</a:t>
+              <a:t>10/9/2016</a:t>
             </a:fld>
             <a:endParaRPr lang="en-US"/>
           </a:p>
@@ -2585,7 +3179,7 @@
             <a:fld id="{109C0921-2D70-4E08-98D8-EB39DE03150A}" type="datetime1">
               <a:rPr lang="en-US"/>
               <a:pPr/>
-              <a:t>10/2/2016</a:t>
+              <a:t>10/9/2016</a:t>
             </a:fld>
             <a:endParaRPr lang="en-US"/>
           </a:p>
@@ -4729,7 +5323,7 @@
             <a:fld id="{6092E1ED-56A1-416C-B18A-BFFB0EF35A2C}" type="datetime1">
               <a:rPr lang="en-US"/>
               <a:pPr/>
-              <a:t>10/2/2016</a:t>
+              <a:t>10/9/2016</a:t>
             </a:fld>
             <a:endParaRPr lang="en-US"/>
           </a:p>
@@ -4984,7 +5578,7 @@
             <a:fld id="{00F49F59-F97F-4418-BC3B-6EC65723EE25}" type="datetime1">
               <a:rPr lang="en-US"/>
               <a:pPr/>
-              <a:t>10/2/2016</a:t>
+              <a:t>10/9/2016</a:t>
             </a:fld>
             <a:endParaRPr lang="en-US"/>
           </a:p>
@@ -5430,7 +6024,7 @@
             <a:fld id="{B333280C-8980-4738-B56C-59968B6F2DDE}" type="datetime1">
               <a:rPr lang="en-US"/>
               <a:pPr/>
-              <a:t>10/2/2016</a:t>
+              <a:t>10/9/2016</a:t>
             </a:fld>
             <a:endParaRPr lang="en-US"/>
           </a:p>
@@ -6006,7 +6600,7 @@
             <a:fld id="{2F6F35F7-F2F4-4B85-A4AD-EDBAACD1F883}" type="datetime1">
               <a:rPr lang="en-US"/>
               <a:pPr/>
-              <a:t>10/2/2016</a:t>
+              <a:t>10/9/2016</a:t>
             </a:fld>
             <a:endParaRPr lang="en-US"/>
           </a:p>
@@ -6282,7 +6876,7 @@
             <a:fld id="{2DF6C973-CFEC-4130-8EE4-980FB3712F0C}" type="datetime1">
               <a:rPr lang="en-US"/>
               <a:pPr/>
-              <a:t>10/2/2016</a:t>
+              <a:t>10/9/2016</a:t>
             </a:fld>
             <a:endParaRPr lang="en-US"/>
           </a:p>
@@ -6386,7 +6980,7 @@
             <a:fld id="{782CA2A9-9CAC-4FDB-B630-731EB7727567}" type="datetime1">
               <a:rPr lang="en-US"/>
               <a:pPr/>
-              <a:t>10/2/2016</a:t>
+              <a:t>10/9/2016</a:t>
             </a:fld>
             <a:endParaRPr lang="en-US"/>
           </a:p>
@@ -6672,7 +7266,7 @@
             <a:fld id="{B7AF53E9-3C29-4D61-B093-CA401AEB0D3A}" type="datetime1">
               <a:rPr lang="en-US"/>
               <a:pPr/>
-              <a:t>10/2/2016</a:t>
+              <a:t>10/9/2016</a:t>
             </a:fld>
             <a:endParaRPr lang="en-US"/>
           </a:p>
@@ -6937,7 +7531,7 @@
             <a:fld id="{940052CD-3002-424C-96E7-7E09EEB02164}" type="datetime1">
               <a:rPr lang="en-US"/>
               <a:pPr/>
-              <a:t>10/2/2016</a:t>
+              <a:t>10/9/2016</a:t>
             </a:fld>
             <a:endParaRPr lang="en-US"/>
           </a:p>
@@ -7182,7 +7776,7 @@
             <a:fld id="{767F67E7-25B5-4D11-AB58-D71DFF515425}" type="datetime1">
               <a:rPr lang="en-US"/>
               <a:pPr/>
-              <a:t>10/2/2016</a:t>
+              <a:t>10/9/2016</a:t>
             </a:fld>
             <a:endParaRPr lang="en-US"/>
           </a:p>
@@ -7999,11 +8593,6 @@
 <file path=ppt/slides/slide11.xml><?xml version="1.0" encoding="utf-8"?>
 <p:sld xmlns:a="http://schemas.openxmlformats.org/drawingml/2006/main" xmlns:r="http://schemas.openxmlformats.org/officeDocument/2006/relationships" xmlns:p="http://schemas.openxmlformats.org/presentationml/2006/main">
   <p:cSld>
-    <p:bg>
-      <p:bgRef idx="1001">
-        <a:schemeClr val="bg1"/>
-      </p:bgRef>
-    </p:bg>
     <p:spTree>
       <p:nvGrpSpPr>
         <p:cNvPr id="1" name=""/>
@@ -8029,6 +8618,10 @@
           </p:nvPr>
         </p:nvSpPr>
         <p:spPr>
+          <a:xfrm>
+            <a:off x="609600" y="1295400"/>
+            <a:ext cx="8229600" cy="5029200"/>
+          </a:xfrm>
           <a:noFill/>
           <a:ln w="9525">
             <a:noFill/>
@@ -8054,53 +8647,16 @@
             </a:pPr>
             <a:r>
               <a:rPr lang="en-US" sz="2000" dirty="0" smtClean="0"/>
-              <a:t>1. Charles </a:t>
-            </a:r>
-            <a:r>
-              <a:rPr lang="en-US" sz="2000" dirty="0"/>
-              <a:t>N. </a:t>
+              <a:t>1.  </a:t>
+            </a:r>
+            <a:r>
+              <a:rPr lang="en-US" sz="2000" i="1" dirty="0" smtClean="0"/>
+              <a:t>The World Factbook</a:t>
             </a:r>
             <a:r>
               <a:rPr lang="en-US" sz="2000" dirty="0" smtClean="0"/>
-              <a:t>Li and </a:t>
-            </a:r>
-            <a:r>
-              <a:rPr lang="en-US" sz="2000" dirty="0"/>
-              <a:t>Sandra A. Thompson. </a:t>
-            </a:r>
-            <a:r>
-              <a:rPr lang="en-US" sz="2000" i="1" dirty="0"/>
-              <a:t>Mandarin Chinese: A </a:t>
-            </a:r>
-            <a:r>
-              <a:rPr lang="en-US" sz="2000" i="1" dirty="0" smtClean="0"/>
-              <a:t>Functional Reference </a:t>
-            </a:r>
-            <a:r>
-              <a:rPr lang="en-US" sz="2000" i="1" dirty="0"/>
-              <a:t>Grammar</a:t>
-            </a:r>
-            <a:r>
-              <a:rPr lang="en-US" sz="2000" dirty="0"/>
-              <a:t> </a:t>
-            </a:r>
-            <a:r>
-              <a:rPr lang="en-US" sz="2000" dirty="0" smtClean="0"/>
-              <a:t>(Santa Barbara, CA: University </a:t>
-            </a:r>
-            <a:r>
-              <a:rPr lang="en-US" sz="2000" dirty="0"/>
-              <a:t>of California </a:t>
-            </a:r>
-            <a:r>
-              <a:rPr lang="en-US" sz="2000" dirty="0" smtClean="0"/>
-              <a:t>Press, 1989), 2</a:t>
-            </a:r>
-            <a:r>
-              <a:rPr lang="en-US" sz="2000" dirty="0"/>
-              <a:t>. </a:t>
-            </a:r>
-            <a:endParaRPr lang="en-US" sz="2000" dirty="0" smtClean="0"/>
+              <a:t>, s.v. “China,” (CIA), https://www.cia.gov/library/publications/the-world-factbook/geos/ch.html (accessed 30 Sep 2016).</a:t>
+            </a:r>
           </a:p>
           <a:p>
             <a:pPr marL="0" indent="0" eaLnBrk="1" hangingPunct="1">
@@ -8112,27 +8668,23 @@
             </a:pPr>
             <a:r>
               <a:rPr lang="en-US" sz="2000" dirty="0" smtClean="0"/>
-              <a:t>2. </a:t>
+              <a:t>2.  </a:t>
             </a:r>
             <a:r>
               <a:rPr lang="en-US" sz="2000" i="1" dirty="0" smtClean="0"/>
-              <a:t>The World </a:t>
-            </a:r>
-            <a:r>
-              <a:rPr lang="en-US" sz="2000" i="1" dirty="0" err="1" smtClean="0"/>
-              <a:t>Factbook</a:t>
+              <a:t>International </a:t>
+            </a:r>
+            <a:r>
+              <a:rPr lang="en-US" sz="2000" i="1" dirty="0"/>
+              <a:t>Monetary Fund</a:t>
+            </a:r>
+            <a:r>
+              <a:rPr lang="en-US" sz="2000" dirty="0"/>
+              <a:t>, http://www.imf.org/en/News/Articles/2016/09/30/AM16-PR16440-IMF-Launches-New-SDR-Basket-Including-Chinese-Renminbi (accessed 1 Oct 2016</a:t>
             </a:r>
             <a:r>
               <a:rPr lang="en-US" sz="2000" dirty="0" smtClean="0"/>
-              <a:t>, </a:t>
-            </a:r>
-            <a:r>
-              <a:rPr lang="en-US" sz="2000" dirty="0" err="1" smtClean="0"/>
-              <a:t>s.v</a:t>
-            </a:r>
-            <a:r>
-              <a:rPr lang="en-US" sz="2000" dirty="0" smtClean="0"/>
-              <a:t>. “China,” (CIA), https://www.cia.gov/library/publications/the-world-</a:t>
+              <a:t>).</a:t>
             </a:r>
           </a:p>
           <a:p>
@@ -8144,12 +8696,52 @@
               <a:buNone/>
             </a:pPr>
             <a:r>
-              <a:rPr lang="en-US" sz="2000" dirty="0" err="1" smtClean="0"/>
-              <a:t>factbook</a:t>
-            </a:r>
-            <a:r>
               <a:rPr lang="en-US" sz="2000" dirty="0" smtClean="0"/>
-              <a:t>/geos/ch.html (accessed 30 Sep 2016).</a:t>
+              <a:t>3.  </a:t>
+            </a:r>
+            <a:r>
+              <a:rPr lang="en-US" sz="2000" dirty="0" smtClean="0"/>
+              <a:t>BBC </a:t>
+            </a:r>
+            <a:r>
+              <a:rPr lang="en-US" sz="2000" dirty="0"/>
+              <a:t>News, </a:t>
+            </a:r>
+            <a:r>
+              <a:rPr lang="en-US" sz="2000" i="1" dirty="0"/>
+              <a:t>Chinese Gen </a:t>
+            </a:r>
+            <a:r>
+              <a:rPr lang="en-US" sz="2000" i="1" dirty="0" err="1"/>
+              <a:t>Guo</a:t>
+            </a:r>
+            <a:r>
+              <a:rPr lang="en-US" sz="2000" i="1" dirty="0"/>
+              <a:t> </a:t>
+            </a:r>
+            <a:r>
+              <a:rPr lang="en-US" sz="2000" i="1" dirty="0" err="1"/>
+              <a:t>Boxiong</a:t>
+            </a:r>
+            <a:r>
+              <a:rPr lang="en-US" sz="2000" i="1" dirty="0"/>
+              <a:t> sentenced to life for </a:t>
+            </a:r>
+            <a:r>
+              <a:rPr lang="en-US" sz="2000" i="1" dirty="0" smtClean="0"/>
+              <a:t>corruption</a:t>
+            </a:r>
+            <a:r>
+              <a:rPr lang="en-US" sz="2000" dirty="0" smtClean="0"/>
+              <a:t>, http</a:t>
+            </a:r>
+            <a:r>
+              <a:rPr lang="en-US" sz="2000" dirty="0"/>
+              <a:t>://</a:t>
+            </a:r>
+            <a:r>
+              <a:rPr lang="en-US" sz="2000" dirty="0" smtClean="0"/>
+              <a:t>www.bbc.com/news/world-asia-china-36883608</a:t>
             </a:r>
           </a:p>
           <a:p>
@@ -8162,24 +8754,67 @@
             </a:pPr>
             <a:r>
               <a:rPr lang="en-US" sz="2000" dirty="0" smtClean="0"/>
-              <a:t>3. US Department of State, </a:t>
+              <a:t>4.  Council </a:t>
+            </a:r>
+            <a:r>
+              <a:rPr lang="en-US" sz="2000" dirty="0"/>
+              <a:t>on foreign </a:t>
+            </a:r>
+            <a:r>
+              <a:rPr lang="en-US" sz="2000" dirty="0" smtClean="0"/>
+              <a:t>relations, </a:t>
             </a:r>
             <a:r>
               <a:rPr lang="en-US" sz="2000" i="1" dirty="0" smtClean="0"/>
-              <a:t>US Relations with China</a:t>
+              <a:t>CFR Backgrounders</a:t>
+            </a:r>
+            <a:r>
+              <a:rPr lang="en-US" sz="2000" dirty="0" smtClean="0"/>
+              <a:t>, http</a:t>
             </a:r>
             <a:r>
               <a:rPr lang="en-US" sz="2000" dirty="0"/>
-              <a:t>, http://</a:t>
+              <a:t>://</a:t>
             </a:r>
             <a:r>
               <a:rPr lang="en-US" sz="2000" dirty="0" smtClean="0"/>
-              <a:t>www.state.gov/r/pa/ei/bgn/18902.htm </a:t>
+              <a:t>www.cfr.org/china/chinas-environmental-crisis/p12608</a:t>
+            </a:r>
+          </a:p>
+          <a:p>
+            <a:pPr marL="0" indent="0" eaLnBrk="1" hangingPunct="1">
+              <a:lnSpc>
+                <a:spcPct val="125000"/>
+              </a:lnSpc>
+              <a:buSzPct val="75000"/>
+              <a:buNone/>
+            </a:pPr>
+            <a:r>
+              <a:rPr lang="en-US" sz="2000" dirty="0" smtClean="0"/>
+              <a:t>5.  </a:t>
             </a:r>
             <a:r>
               <a:rPr lang="en-US" sz="2000" dirty="0"/>
-              <a:t>(accessed 30 Sep 2016).</a:t>
-            </a:r>
+              <a:t>United Nations, </a:t>
+            </a:r>
+            <a:r>
+              <a:rPr lang="en-US" sz="2000" i="1" dirty="0"/>
+              <a:t>Official Languages</a:t>
+            </a:r>
+            <a:r>
+              <a:rPr lang="en-US" sz="2000" dirty="0"/>
+              <a:t>, http://www.un.org/en/sections/about-un/official-languages (accessed 1 Oct 2016).</a:t>
+            </a:r>
+          </a:p>
+          <a:p>
+            <a:pPr marL="0" indent="0" eaLnBrk="1" hangingPunct="1">
+              <a:lnSpc>
+                <a:spcPct val="125000"/>
+              </a:lnSpc>
+              <a:buSzPct val="75000"/>
+              <a:buNone/>
+            </a:pPr>
+            <a:endParaRPr lang="en-US" sz="2000" dirty="0" smtClean="0"/>
           </a:p>
         </p:txBody>
       </p:sp>
@@ -8251,9 +8886,247 @@
         </p:txBody>
       </p:sp>
     </p:spTree>
+    <p:extLst>
+      <p:ext uri="{BB962C8B-B14F-4D97-AF65-F5344CB8AC3E}">
+        <p14:creationId xmlns:p14="http://schemas.microsoft.com/office/powerpoint/2010/main" val="2382054300"/>
+      </p:ext>
+    </p:extLst>
   </p:cSld>
   <p:clrMapOvr>
-    <a:overrideClrMapping bg1="lt1" tx1="dk1" bg2="lt2" tx2="dk2" accent1="accent1" accent2="accent2" accent3="accent3" accent4="accent4" accent5="accent5" accent6="accent6" hlink="hlink" folHlink="folHlink"/>
+    <a:masterClrMapping/>
+  </p:clrMapOvr>
+  <p:timing>
+    <p:tnLst>
+      <p:par>
+        <p:cTn id="1" dur="indefinite" restart="never" nodeType="tmRoot"/>
+      </p:par>
+    </p:tnLst>
+  </p:timing>
+</p:sld>
+</file>
+
+<file path=ppt/slides/slide12.xml><?xml version="1.0" encoding="utf-8"?>
+<p:sld xmlns:a="http://schemas.openxmlformats.org/drawingml/2006/main" xmlns:r="http://schemas.openxmlformats.org/officeDocument/2006/relationships" xmlns:p="http://schemas.openxmlformats.org/presentationml/2006/main">
+  <p:cSld>
+    <p:spTree>
+      <p:nvGrpSpPr>
+        <p:cNvPr id="1" name=""/>
+        <p:cNvGrpSpPr/>
+        <p:nvPr/>
+      </p:nvGrpSpPr>
+      <p:grpSpPr>
+        <a:xfrm>
+          <a:off x="0" y="0"/>
+          <a:ext cx="0" cy="0"/>
+          <a:chOff x="0" y="0"/>
+          <a:chExt cx="0" cy="0"/>
+        </a:xfrm>
+      </p:grpSpPr>
+      <p:sp>
+        <p:nvSpPr>
+          <p:cNvPr id="6147" name="Rectangle 3"/>
+          <p:cNvSpPr>
+            <a:spLocks noGrp="1" noChangeArrowheads="1"/>
+          </p:cNvSpPr>
+          <p:nvPr>
+            <p:ph idx="1"/>
+          </p:nvPr>
+        </p:nvSpPr>
+        <p:spPr>
+          <a:xfrm>
+            <a:off x="609600" y="1295400"/>
+            <a:ext cx="8229600" cy="5029200"/>
+          </a:xfrm>
+          <a:noFill/>
+          <a:ln w="9525">
+            <a:noFill/>
+            <a:miter lim="800000"/>
+            <a:headEnd/>
+            <a:tailEnd/>
+          </a:ln>
+        </p:spPr>
+        <p:txBody>
+          <a:bodyPr vert="horz" wrap="square" lIns="91440" tIns="45720" rIns="91440" bIns="45720" numCol="1" anchor="t" anchorCtr="0" compatLnSpc="1">
+            <a:prstTxWarp prst="textNoShape">
+              <a:avLst/>
+            </a:prstTxWarp>
+          </a:bodyPr>
+          <a:lstStyle/>
+          <a:p>
+            <a:pPr marL="0" indent="0" eaLnBrk="1" hangingPunct="1">
+              <a:lnSpc>
+                <a:spcPct val="125000"/>
+              </a:lnSpc>
+              <a:buSzPct val="75000"/>
+              <a:buNone/>
+            </a:pPr>
+            <a:r>
+              <a:rPr lang="en-US" sz="2000" dirty="0"/>
+              <a:t>6</a:t>
+            </a:r>
+            <a:r>
+              <a:rPr lang="en-US" sz="2000" dirty="0" smtClean="0"/>
+              <a:t>.  Charles </a:t>
+            </a:r>
+            <a:r>
+              <a:rPr lang="en-US" sz="2000" dirty="0"/>
+              <a:t>N. Li and Sandra A. Thompson. </a:t>
+            </a:r>
+            <a:r>
+              <a:rPr lang="en-US" sz="2000" i="1" dirty="0"/>
+              <a:t>Mandarin Chinese: A Functional Reference Grammar</a:t>
+            </a:r>
+            <a:r>
+              <a:rPr lang="en-US" sz="2000" dirty="0"/>
+              <a:t> (Santa Barbara, CA: University of California Press, 1989), 2. </a:t>
+            </a:r>
+          </a:p>
+          <a:p>
+            <a:pPr marL="0" indent="0" eaLnBrk="1" hangingPunct="1">
+              <a:lnSpc>
+                <a:spcPct val="125000"/>
+              </a:lnSpc>
+              <a:buSzPct val="75000"/>
+              <a:buNone/>
+            </a:pPr>
+            <a:r>
+              <a:rPr lang="en-US" sz="2000" dirty="0"/>
+              <a:t>7</a:t>
+            </a:r>
+            <a:r>
+              <a:rPr lang="en-US" sz="2000" dirty="0" smtClean="0"/>
+              <a:t>.  US Department of State, </a:t>
+            </a:r>
+            <a:r>
+              <a:rPr lang="en-US" sz="2000" i="1" dirty="0" smtClean="0"/>
+              <a:t>US Relations with China</a:t>
+            </a:r>
+            <a:r>
+              <a:rPr lang="en-US" sz="2000" dirty="0" smtClean="0"/>
+              <a:t>, http://www.state.gov/r/pa/ei/bgn/18902.htm (accessed 30 Sep 2016).</a:t>
+            </a:r>
+          </a:p>
+          <a:p>
+            <a:pPr marL="0" indent="0">
+              <a:buNone/>
+            </a:pPr>
+            <a:r>
+              <a:rPr lang="en-US" sz="2000" dirty="0" smtClean="0"/>
+              <a:t>8</a:t>
+            </a:r>
+            <a:r>
+              <a:rPr lang="en-US" sz="2000" i="1" dirty="0" smtClean="0"/>
+              <a:t>.  Council </a:t>
+            </a:r>
+            <a:r>
+              <a:rPr lang="en-US" sz="2000" i="1" dirty="0"/>
+              <a:t>on Foreign Relations</a:t>
+            </a:r>
+            <a:r>
+              <a:rPr lang="en-US" sz="2000" dirty="0"/>
+              <a:t>, http://www.cfr.org/china/china-north-korea-relationship/p11097 (accessed 1 Oct 2016</a:t>
+            </a:r>
+            <a:r>
+              <a:rPr lang="en-US" sz="2000" dirty="0"/>
+              <a:t>). Dina Powell, National Security Language Initiative, https://web.archive.org/web/20080306151344/http://www.state.gov/r/pa/prs/ps/2006/58733.htm (accessed 1 Oct 2016</a:t>
+            </a:r>
+            <a:r>
+              <a:rPr lang="en-US" sz="2000" dirty="0" smtClean="0"/>
+              <a:t>).</a:t>
+            </a:r>
+          </a:p>
+          <a:p>
+            <a:pPr marL="0" indent="0">
+              <a:buNone/>
+            </a:pPr>
+            <a:r>
+              <a:rPr lang="en-US" sz="2000" dirty="0" smtClean="0"/>
+              <a:t>9.  Military </a:t>
+            </a:r>
+            <a:r>
+              <a:rPr lang="en-US" sz="2000" dirty="0"/>
+              <a:t>Accessions Vital to the National Interest Pilot Recruiting Program, https://www.army.mil/standto/archive/2009/03/10/ (accessed 1 Oct 2016).</a:t>
+            </a:r>
+            <a:endParaRPr lang="en-US" sz="2000" dirty="0"/>
+          </a:p>
+        </p:txBody>
+      </p:sp>
+      <p:sp>
+        <p:nvSpPr>
+          <p:cNvPr id="4" name="Rectangle 3"/>
+          <p:cNvSpPr/>
+          <p:nvPr/>
+        </p:nvSpPr>
+        <p:spPr>
+          <a:xfrm>
+            <a:off x="1828800" y="304800"/>
+            <a:ext cx="6934200" cy="646331"/>
+          </a:xfrm>
+          <a:prstGeom prst="rect">
+            <a:avLst/>
+          </a:prstGeom>
+          <a:noFill/>
+        </p:spPr>
+        <p:txBody>
+          <a:bodyPr wrap="square" lIns="91440" tIns="45720" rIns="91440" bIns="45720">
+            <a:spAutoFit/>
+          </a:bodyPr>
+          <a:lstStyle/>
+          <a:p>
+            <a:pPr algn="r"/>
+            <a:r>
+              <a:rPr lang="en-US" sz="3600" b="1" cap="all" dirty="0" smtClean="0">
+                <a:ln w="10541" cmpd="sng">
+                  <a:solidFill>
+                    <a:schemeClr val="bg2">
+                      <a:lumMod val="75000"/>
+                    </a:schemeClr>
+                  </a:solidFill>
+                  <a:prstDash val="solid"/>
+                </a:ln>
+                <a:effectLst>
+                  <a:outerShdw blurRad="38100" dist="38100" dir="2700000" algn="tl">
+                    <a:srgbClr val="000000">
+                      <a:alpha val="43137"/>
+                    </a:srgbClr>
+                  </a:outerShdw>
+                </a:effectLst>
+                <a:latin typeface="Times New Roman" panose="02020603050405020304" pitchFamily="18" charset="0"/>
+                <a:cs typeface="Times New Roman" panose="02020603050405020304" pitchFamily="18" charset="0"/>
+              </a:rPr>
+              <a:t>End notes</a:t>
+            </a:r>
+            <a:endParaRPr lang="en-US" sz="3600" b="1" cap="all" spc="0" dirty="0">
+              <a:ln w="10541" cmpd="sng">
+                <a:solidFill>
+                  <a:schemeClr val="bg2">
+                    <a:lumMod val="75000"/>
+                  </a:schemeClr>
+                </a:solidFill>
+                <a:prstDash val="solid"/>
+              </a:ln>
+              <a:effectLst>
+                <a:outerShdw blurRad="38100" dist="38100" dir="2700000" algn="tl">
+                  <a:srgbClr val="000000">
+                    <a:alpha val="43137"/>
+                  </a:srgbClr>
+                </a:outerShdw>
+              </a:effectLst>
+              <a:latin typeface="Times New Roman" panose="02020603050405020304" pitchFamily="18" charset="0"/>
+              <a:cs typeface="Times New Roman" panose="02020603050405020304" pitchFamily="18" charset="0"/>
+            </a:endParaRPr>
+          </a:p>
+        </p:txBody>
+      </p:sp>
+    </p:spTree>
+    <p:extLst>
+      <p:ext uri="{BB962C8B-B14F-4D97-AF65-F5344CB8AC3E}">
+        <p14:creationId xmlns:p14="http://schemas.microsoft.com/office/powerpoint/2010/main" val="474279261"/>
+      </p:ext>
+    </p:extLst>
+  </p:cSld>
+  <p:clrMapOvr>
+    <a:masterClrMapping/>
   </p:clrMapOvr>
   <p:timing>
     <p:tnLst>
@@ -8777,11 +9650,7 @@
             </a:pPr>
             <a:r>
               <a:rPr lang="en-US" sz="2400" dirty="0" smtClean="0"/>
-              <a:t>In 2014, China has the second largest economy in the </a:t>
-            </a:r>
-            <a:r>
-              <a:rPr lang="en-US" sz="2400" dirty="0" smtClean="0"/>
-              <a:t>world.</a:t>
+              <a:t>In 2014, China has the second largest economy in the world.</a:t>
             </a:r>
             <a:r>
               <a:rPr lang="en-US" sz="2400" baseline="30000" dirty="0" smtClean="0"/>
@@ -8800,23 +9669,7 @@
             </a:pPr>
             <a:r>
               <a:rPr lang="en-US" sz="2400" dirty="0" smtClean="0"/>
-              <a:t>In 2016, Chinese yuan is </a:t>
-            </a:r>
-            <a:r>
-              <a:rPr lang="en-US" sz="2400" dirty="0" smtClean="0"/>
-              <a:t>included </a:t>
-            </a:r>
-            <a:r>
-              <a:rPr lang="en-US" sz="2400" dirty="0" smtClean="0"/>
-              <a:t>by </a:t>
-            </a:r>
-            <a:r>
-              <a:rPr lang="en-US" sz="2400" dirty="0" smtClean="0"/>
-              <a:t>International Monetary Fund (IMF) as one of five global reserve </a:t>
-            </a:r>
-            <a:r>
-              <a:rPr lang="en-US" sz="2400" dirty="0" smtClean="0"/>
-              <a:t>currencies.</a:t>
+              <a:t>In 2016, Chinese yuan is included by International Monetary Fund (IMF) as one of five global reserve currencies.</a:t>
             </a:r>
             <a:r>
               <a:rPr lang="en-US" sz="2400" baseline="30000" dirty="0" smtClean="0"/>
@@ -8974,7 +9827,128 @@
   <p:timing>
     <p:tnLst>
       <p:par>
-        <p:cTn id="1" dur="indefinite" restart="never" nodeType="tmRoot"/>
+        <p:cTn id="1" dur="indefinite" restart="never" nodeType="tmRoot">
+          <p:childTnLst>
+            <p:seq concurrent="1" nextAc="seek">
+              <p:cTn id="2" dur="indefinite" nodeType="mainSeq">
+                <p:childTnLst>
+                  <p:par>
+                    <p:cTn id="3" fill="hold">
+                      <p:stCondLst>
+                        <p:cond delay="indefinite"/>
+                      </p:stCondLst>
+                      <p:childTnLst>
+                        <p:par>
+                          <p:cTn id="4" fill="hold">
+                            <p:stCondLst>
+                              <p:cond delay="0"/>
+                            </p:stCondLst>
+                            <p:childTnLst>
+                              <p:par>
+                                <p:cTn id="5" presetID="1" presetClass="entr" presetSubtype="0" fill="hold" nodeType="clickEffect">
+                                  <p:stCondLst>
+                                    <p:cond delay="0"/>
+                                  </p:stCondLst>
+                                  <p:childTnLst>
+                                    <p:set>
+                                      <p:cBhvr>
+                                        <p:cTn id="6" dur="1" fill="hold">
+                                          <p:stCondLst>
+                                            <p:cond delay="0"/>
+                                          </p:stCondLst>
+                                        </p:cTn>
+                                        <p:tgtEl>
+                                          <p:spTgt spid="4099">
+                                            <p:txEl>
+                                              <p:pRg st="1" end="1"/>
+                                            </p:txEl>
+                                          </p:spTgt>
+                                        </p:tgtEl>
+                                        <p:attrNameLst>
+                                          <p:attrName>style.visibility</p:attrName>
+                                        </p:attrNameLst>
+                                      </p:cBhvr>
+                                      <p:to>
+                                        <p:strVal val="visible"/>
+                                      </p:to>
+                                    </p:set>
+                                  </p:childTnLst>
+                                </p:cTn>
+                              </p:par>
+                            </p:childTnLst>
+                          </p:cTn>
+                        </p:par>
+                      </p:childTnLst>
+                    </p:cTn>
+                  </p:par>
+                  <p:par>
+                    <p:cTn id="7" fill="hold">
+                      <p:stCondLst>
+                        <p:cond delay="indefinite"/>
+                      </p:stCondLst>
+                      <p:childTnLst>
+                        <p:par>
+                          <p:cTn id="8" fill="hold">
+                            <p:stCondLst>
+                              <p:cond delay="0"/>
+                            </p:stCondLst>
+                            <p:childTnLst>
+                              <p:par>
+                                <p:cTn id="9" presetID="1" presetClass="entr" presetSubtype="0" fill="hold" nodeType="clickEffect">
+                                  <p:stCondLst>
+                                    <p:cond delay="0"/>
+                                  </p:stCondLst>
+                                  <p:childTnLst>
+                                    <p:set>
+                                      <p:cBhvr>
+                                        <p:cTn id="10" dur="1" fill="hold">
+                                          <p:stCondLst>
+                                            <p:cond delay="0"/>
+                                          </p:stCondLst>
+                                        </p:cTn>
+                                        <p:tgtEl>
+                                          <p:spTgt spid="4099">
+                                            <p:txEl>
+                                              <p:pRg st="2" end="2"/>
+                                            </p:txEl>
+                                          </p:spTgt>
+                                        </p:tgtEl>
+                                        <p:attrNameLst>
+                                          <p:attrName>style.visibility</p:attrName>
+                                        </p:attrNameLst>
+                                      </p:cBhvr>
+                                      <p:to>
+                                        <p:strVal val="visible"/>
+                                      </p:to>
+                                    </p:set>
+                                  </p:childTnLst>
+                                </p:cTn>
+                              </p:par>
+                            </p:childTnLst>
+                          </p:cTn>
+                        </p:par>
+                      </p:childTnLst>
+                    </p:cTn>
+                  </p:par>
+                </p:childTnLst>
+              </p:cTn>
+              <p:prevCondLst>
+                <p:cond evt="onPrev" delay="0">
+                  <p:tgtEl>
+                    <p:sldTgt/>
+                  </p:tgtEl>
+                </p:cond>
+              </p:prevCondLst>
+              <p:nextCondLst>
+                <p:cond evt="onNext" delay="0">
+                  <p:tgtEl>
+                    <p:sldTgt/>
+                  </p:tgtEl>
+                </p:cond>
+              </p:nextCondLst>
+            </p:seq>
+          </p:childTnLst>
+        </p:cTn>
       </p:par>
     </p:tnLst>
   </p:timing>
@@ -9034,10 +10008,6 @@
               <a:rPr lang="en-US" sz="2800" dirty="0" smtClean="0"/>
               <a:t>has</a:t>
             </a:r>
-            <a:r>
-              <a:rPr lang="en-US" sz="2800" baseline="30000" dirty="0" smtClean="0"/>
-              <a:t>3</a:t>
-            </a:r>
             <a:endParaRPr lang="en-US" sz="2800" baseline="30000" dirty="0" smtClean="0"/>
           </a:p>
           <a:p>
@@ -9079,6 +10049,11 @@
               <a:rPr lang="en-US" sz="2400" dirty="0" smtClean="0"/>
               <a:t>crimes</a:t>
             </a:r>
+            <a:r>
+              <a:rPr lang="en-US" sz="2400" baseline="30000" dirty="0" smtClean="0"/>
+              <a:t>3</a:t>
+            </a:r>
+            <a:endParaRPr lang="en-US" sz="2400" baseline="30000" dirty="0" smtClean="0"/>
           </a:p>
           <a:p>
             <a:pPr marL="865188" lvl="1" indent="-465138" eaLnBrk="1" hangingPunct="1">
@@ -9091,8 +10066,21 @@
             </a:pPr>
             <a:r>
               <a:rPr lang="en-US" sz="2400" dirty="0" smtClean="0"/>
-              <a:t>Environmental damage</a:t>
-            </a:r>
+              <a:t>Environmental </a:t>
+            </a:r>
+            <a:r>
+              <a:rPr lang="en-US" sz="2400" dirty="0" smtClean="0"/>
+              <a:t>damage</a:t>
+            </a:r>
+            <a:r>
+              <a:rPr lang="en-US" sz="2400" baseline="30000" dirty="0" smtClean="0"/>
+              <a:t>4</a:t>
+            </a:r>
+            <a:r>
+              <a:rPr lang="en-US" sz="2400" dirty="0" smtClean="0"/>
+              <a:t> </a:t>
+            </a:r>
+            <a:endParaRPr lang="en-US" sz="2400" dirty="0" smtClean="0"/>
           </a:p>
           <a:p>
             <a:pPr marL="865188" lvl="1" indent="-465138" eaLnBrk="1" hangingPunct="1">
@@ -9230,6 +10218,47 @@
           </a:p>
         </p:txBody>
       </p:sp>
+      <p:pic>
+        <p:nvPicPr>
+          <p:cNvPr id="1026" name="Picture 2" descr="China's Environmental Crisis"/>
+          <p:cNvPicPr>
+            <a:picLocks noChangeAspect="1" noChangeArrowheads="1"/>
+          </p:cNvPicPr>
+          <p:nvPr/>
+        </p:nvPicPr>
+        <p:blipFill>
+          <a:blip r:embed="rId3">
+            <a:extLst>
+              <a:ext uri="{28A0092B-C50C-407E-A947-70E740481C1C}">
+                <a14:useLocalDpi xmlns:a14="http://schemas.microsoft.com/office/drawing/2010/main" val="0"/>
+              </a:ext>
+            </a:extLst>
+          </a:blip>
+          <a:srcRect/>
+          <a:stretch>
+            <a:fillRect/>
+          </a:stretch>
+        </p:blipFill>
+        <p:spPr bwMode="auto">
+          <a:xfrm>
+            <a:off x="3420979" y="3967621"/>
+            <a:ext cx="5321968" cy="2890379"/>
+          </a:xfrm>
+          <a:prstGeom prst="rect">
+            <a:avLst/>
+          </a:prstGeom>
+          <a:noFill/>
+          <a:extLst>
+            <a:ext uri="{909E8E84-426E-40DD-AFC4-6F175D3DCCD1}">
+              <a14:hiddenFill xmlns:a14="http://schemas.microsoft.com/office/drawing/2010/main">
+                <a:solidFill>
+                  <a:srgbClr val="FFFFFF"/>
+                </a:solidFill>
+              </a14:hiddenFill>
+            </a:ext>
+          </a:extLst>
+        </p:spPr>
+      </p:pic>
     </p:spTree>
     <p:extLst>
       <p:ext uri="{BB962C8B-B14F-4D97-AF65-F5344CB8AC3E}">
@@ -9244,7 +10273,222 @@
   <p:timing>
     <p:tnLst>
       <p:par>
-        <p:cTn id="1" dur="indefinite" restart="never" nodeType="tmRoot"/>
+        <p:cTn id="1" dur="indefinite" restart="never" nodeType="tmRoot">
+          <p:childTnLst>
+            <p:seq concurrent="1" nextAc="seek">
+              <p:cTn id="2" dur="indefinite" nodeType="mainSeq">
+                <p:childTnLst>
+                  <p:par>
+                    <p:cTn id="3" fill="hold">
+                      <p:stCondLst>
+                        <p:cond delay="indefinite"/>
+                      </p:stCondLst>
+                      <p:childTnLst>
+                        <p:par>
+                          <p:cTn id="4" fill="hold">
+                            <p:stCondLst>
+                              <p:cond delay="0"/>
+                            </p:stCondLst>
+                            <p:childTnLst>
+                              <p:par>
+                                <p:cTn id="5" presetID="1" presetClass="entr" presetSubtype="0" fill="hold" nodeType="clickEffect">
+                                  <p:stCondLst>
+                                    <p:cond delay="0"/>
+                                  </p:stCondLst>
+                                  <p:childTnLst>
+                                    <p:set>
+                                      <p:cBhvr>
+                                        <p:cTn id="6" dur="1" fill="hold">
+                                          <p:stCondLst>
+                                            <p:cond delay="0"/>
+                                          </p:stCondLst>
+                                        </p:cTn>
+                                        <p:tgtEl>
+                                          <p:spTgt spid="4099">
+                                            <p:txEl>
+                                              <p:pRg st="1" end="1"/>
+                                            </p:txEl>
+                                          </p:spTgt>
+                                        </p:tgtEl>
+                                        <p:attrNameLst>
+                                          <p:attrName>style.visibility</p:attrName>
+                                        </p:attrNameLst>
+                                      </p:cBhvr>
+                                      <p:to>
+                                        <p:strVal val="visible"/>
+                                      </p:to>
+                                    </p:set>
+                                  </p:childTnLst>
+                                </p:cTn>
+                              </p:par>
+                            </p:childTnLst>
+                          </p:cTn>
+                        </p:par>
+                      </p:childTnLst>
+                    </p:cTn>
+                  </p:par>
+                  <p:par>
+                    <p:cTn id="7" fill="hold">
+                      <p:stCondLst>
+                        <p:cond delay="indefinite"/>
+                      </p:stCondLst>
+                      <p:childTnLst>
+                        <p:par>
+                          <p:cTn id="8" fill="hold">
+                            <p:stCondLst>
+                              <p:cond delay="0"/>
+                            </p:stCondLst>
+                            <p:childTnLst>
+                              <p:par>
+                                <p:cTn id="9" presetID="1" presetClass="entr" presetSubtype="0" fill="hold" nodeType="clickEffect">
+                                  <p:stCondLst>
+                                    <p:cond delay="0"/>
+                                  </p:stCondLst>
+                                  <p:childTnLst>
+                                    <p:set>
+                                      <p:cBhvr>
+                                        <p:cTn id="10" dur="1" fill="hold">
+                                          <p:stCondLst>
+                                            <p:cond delay="0"/>
+                                          </p:stCondLst>
+                                        </p:cTn>
+                                        <p:tgtEl>
+                                          <p:spTgt spid="4099">
+                                            <p:txEl>
+                                              <p:pRg st="2" end="2"/>
+                                            </p:txEl>
+                                          </p:spTgt>
+                                        </p:tgtEl>
+                                        <p:attrNameLst>
+                                          <p:attrName>style.visibility</p:attrName>
+                                        </p:attrNameLst>
+                                      </p:cBhvr>
+                                      <p:to>
+                                        <p:strVal val="visible"/>
+                                      </p:to>
+                                    </p:set>
+                                  </p:childTnLst>
+                                </p:cTn>
+                              </p:par>
+                            </p:childTnLst>
+                          </p:cTn>
+                        </p:par>
+                      </p:childTnLst>
+                    </p:cTn>
+                  </p:par>
+                  <p:par>
+                    <p:cTn id="11" fill="hold">
+                      <p:stCondLst>
+                        <p:cond delay="indefinite"/>
+                      </p:stCondLst>
+                      <p:childTnLst>
+                        <p:par>
+                          <p:cTn id="12" fill="hold">
+                            <p:stCondLst>
+                              <p:cond delay="0"/>
+                            </p:stCondLst>
+                            <p:childTnLst>
+                              <p:par>
+                                <p:cTn id="13" presetID="1" presetClass="entr" presetSubtype="0" fill="hold" nodeType="clickEffect">
+                                  <p:stCondLst>
+                                    <p:cond delay="0"/>
+                                  </p:stCondLst>
+                                  <p:childTnLst>
+                                    <p:set>
+                                      <p:cBhvr>
+                                        <p:cTn id="14" dur="1" fill="hold">
+                                          <p:stCondLst>
+                                            <p:cond delay="0"/>
+                                          </p:stCondLst>
+                                        </p:cTn>
+                                        <p:tgtEl>
+                                          <p:spTgt spid="4099">
+                                            <p:txEl>
+                                              <p:pRg st="3" end="3"/>
+                                            </p:txEl>
+                                          </p:spTgt>
+                                        </p:tgtEl>
+                                        <p:attrNameLst>
+                                          <p:attrName>style.visibility</p:attrName>
+                                        </p:attrNameLst>
+                                      </p:cBhvr>
+                                      <p:to>
+                                        <p:strVal val="visible"/>
+                                      </p:to>
+                                    </p:set>
+                                  </p:childTnLst>
+                                </p:cTn>
+                              </p:par>
+                            </p:childTnLst>
+                          </p:cTn>
+                        </p:par>
+                      </p:childTnLst>
+                    </p:cTn>
+                  </p:par>
+                  <p:par>
+                    <p:cTn id="15" fill="hold">
+                      <p:stCondLst>
+                        <p:cond delay="indefinite"/>
+                      </p:stCondLst>
+                      <p:childTnLst>
+                        <p:par>
+                          <p:cTn id="16" fill="hold">
+                            <p:stCondLst>
+                              <p:cond delay="0"/>
+                            </p:stCondLst>
+                            <p:childTnLst>
+                              <p:par>
+                                <p:cTn id="17" presetID="1" presetClass="entr" presetSubtype="0" fill="hold" nodeType="clickEffect">
+                                  <p:stCondLst>
+                                    <p:cond delay="0"/>
+                                  </p:stCondLst>
+                                  <p:childTnLst>
+                                    <p:set>
+                                      <p:cBhvr>
+                                        <p:cTn id="18" dur="1" fill="hold">
+                                          <p:stCondLst>
+                                            <p:cond delay="0"/>
+                                          </p:stCondLst>
+                                        </p:cTn>
+                                        <p:tgtEl>
+                                          <p:spTgt spid="1026"/>
+                                        </p:tgtEl>
+                                        <p:attrNameLst>
+                                          <p:attrName>style.visibility</p:attrName>
+                                        </p:attrNameLst>
+                                      </p:cBhvr>
+                                      <p:to>
+                                        <p:strVal val="visible"/>
+                                      </p:to>
+                                    </p:set>
+                                  </p:childTnLst>
+                                </p:cTn>
+                              </p:par>
+                            </p:childTnLst>
+                          </p:cTn>
+                        </p:par>
+                      </p:childTnLst>
+                    </p:cTn>
+                  </p:par>
+                </p:childTnLst>
+              </p:cTn>
+              <p:prevCondLst>
+                <p:cond evt="onPrev" delay="0">
+                  <p:tgtEl>
+                    <p:sldTgt/>
+                  </p:tgtEl>
+                </p:cond>
+              </p:prevCondLst>
+              <p:nextCondLst>
+                <p:cond evt="onNext" delay="0">
+                  <p:tgtEl>
+                    <p:sldTgt/>
+                  </p:tgtEl>
+                </p:cond>
+              </p:nextCondLst>
+            </p:seq>
+          </p:childTnLst>
+        </p:cTn>
       </p:par>
     </p:tnLst>
   </p:timing>
@@ -9493,6 +10737,36 @@
           <a:chExt cx="0" cy="0"/>
         </a:xfrm>
       </p:grpSpPr>
+      <p:pic>
+        <p:nvPicPr>
+          <p:cNvPr id="2" name="Picture 1"/>
+          <p:cNvPicPr>
+            <a:picLocks noChangeAspect="1"/>
+          </p:cNvPicPr>
+          <p:nvPr/>
+        </p:nvPicPr>
+        <p:blipFill>
+          <a:blip r:embed="rId3" cstate="print">
+            <a:extLst>
+              <a:ext uri="{28A0092B-C50C-407E-A947-70E740481C1C}">
+                <a14:useLocalDpi xmlns:a14="http://schemas.microsoft.com/office/drawing/2010/main" val="0"/>
+              </a:ext>
+            </a:extLst>
+          </a:blip>
+          <a:stretch>
+            <a:fillRect/>
+          </a:stretch>
+        </p:blipFill>
+        <p:spPr>
+          <a:xfrm>
+            <a:off x="3276600" y="4038600"/>
+            <a:ext cx="5486400" cy="3090672"/>
+          </a:xfrm>
+          <a:prstGeom prst="rect">
+            <a:avLst/>
+          </a:prstGeom>
+        </p:spPr>
+      </p:pic>
       <p:sp>
         <p:nvSpPr>
           <p:cNvPr id="4099" name="Rectangle 3"/>
@@ -9527,15 +10801,15 @@
             </a:r>
             <a:r>
               <a:rPr lang="en-US" sz="2800" dirty="0" smtClean="0"/>
-              <a:t>by 1.2 billion people in the world</a:t>
-            </a:r>
-            <a:r>
-              <a:rPr lang="en-US" sz="2800" baseline="30000" dirty="0"/>
-              <a:t>1</a:t>
+              <a:t>by 1.2 billion people in the </a:t>
             </a:r>
             <a:r>
               <a:rPr lang="en-US" sz="2800" dirty="0" smtClean="0"/>
-              <a:t>.</a:t>
+              <a:t>world.</a:t>
+            </a:r>
+            <a:r>
+              <a:rPr lang="en-US" sz="2800" baseline="30000" dirty="0" smtClean="0"/>
+              <a:t>5</a:t>
             </a:r>
             <a:endParaRPr lang="en-US" sz="2800" dirty="0" smtClean="0"/>
           </a:p>
@@ -9554,20 +10828,37 @@
             </a:r>
             <a:r>
               <a:rPr lang="en-US" sz="2800" dirty="0" smtClean="0"/>
-              <a:t>over 10 </a:t>
+              <a:t>over 10 different types of </a:t>
             </a:r>
             <a:r>
               <a:rPr lang="en-US" sz="2800" dirty="0" smtClean="0"/>
-              <a:t>different types of dielects</a:t>
+              <a:t>dialects</a:t>
+            </a:r>
+            <a:r>
+              <a:rPr lang="en-US" sz="2800" baseline="30000" dirty="0"/>
+              <a:t> </a:t>
             </a:r>
             <a:r>
               <a:rPr lang="en-US" sz="2800" baseline="30000" dirty="0" smtClean="0"/>
-              <a:t>2 </a:t>
+              <a:t> </a:t>
             </a:r>
             <a:r>
               <a:rPr lang="en-US" sz="2800" dirty="0" smtClean="0"/>
-              <a:t>(e.g. Mandarin, Cantonese).</a:t>
-            </a:r>
+              <a:t>(e.g</a:t>
+            </a:r>
+            <a:r>
+              <a:rPr lang="en-US" sz="2800" dirty="0" smtClean="0"/>
+              <a:t>. Mandarin, Cantonese</a:t>
+            </a:r>
+            <a:r>
+              <a:rPr lang="en-US" sz="2800" dirty="0" smtClean="0"/>
+              <a:t>).</a:t>
+            </a:r>
+            <a:r>
+              <a:rPr lang="en-US" sz="2800" baseline="30000" dirty="0" smtClean="0"/>
+              <a:t>6</a:t>
+            </a:r>
+            <a:endParaRPr lang="en-US" sz="2800" baseline="30000" dirty="0" smtClean="0"/>
           </a:p>
           <a:p>
             <a:pPr marL="465138" indent="-465138" eaLnBrk="1" hangingPunct="1">
@@ -9584,12 +10875,13 @@
             </a:r>
             <a:r>
               <a:rPr lang="en-US" sz="2800" dirty="0"/>
-              <a:t>Chinese uses a pictorial representation instead of a phonetic one. </a:t>
-            </a:r>
-            <a:r>
-              <a:rPr lang="en-US" sz="2800" dirty="0"/>
-              <a:t>16</a:t>
-            </a:r>
+              <a:t>Chinese uses a pictorial representation instead of a phonetic </a:t>
+            </a:r>
+            <a:r>
+              <a:rPr lang="en-US" sz="2800" dirty="0" smtClean="0"/>
+              <a:t>one.</a:t>
+            </a:r>
+            <a:endParaRPr lang="en-US" sz="2800" baseline="30000" dirty="0"/>
           </a:p>
           <a:p>
             <a:pPr marL="465138" indent="-465138" eaLnBrk="1" hangingPunct="1">
@@ -9719,7 +11011,181 @@
   <p:timing>
     <p:tnLst>
       <p:par>
-        <p:cTn id="1" dur="indefinite" restart="never" nodeType="tmRoot"/>
+        <p:cTn id="1" dur="indefinite" restart="never" nodeType="tmRoot">
+          <p:childTnLst>
+            <p:seq concurrent="1" nextAc="seek">
+              <p:cTn id="2" dur="indefinite" nodeType="mainSeq">
+                <p:childTnLst>
+                  <p:par>
+                    <p:cTn id="3" fill="hold">
+                      <p:stCondLst>
+                        <p:cond delay="indefinite"/>
+                      </p:stCondLst>
+                      <p:childTnLst>
+                        <p:par>
+                          <p:cTn id="4" fill="hold">
+                            <p:stCondLst>
+                              <p:cond delay="0"/>
+                            </p:stCondLst>
+                            <p:childTnLst>
+                              <p:par>
+                                <p:cTn id="5" presetID="1" presetClass="entr" presetSubtype="0" fill="hold" nodeType="clickEffect">
+                                  <p:stCondLst>
+                                    <p:cond delay="0"/>
+                                  </p:stCondLst>
+                                  <p:childTnLst>
+                                    <p:set>
+                                      <p:cBhvr>
+                                        <p:cTn id="6" dur="1" fill="hold">
+                                          <p:stCondLst>
+                                            <p:cond delay="0"/>
+                                          </p:stCondLst>
+                                        </p:cTn>
+                                        <p:tgtEl>
+                                          <p:spTgt spid="4099">
+                                            <p:txEl>
+                                              <p:pRg st="1" end="1"/>
+                                            </p:txEl>
+                                          </p:spTgt>
+                                        </p:tgtEl>
+                                        <p:attrNameLst>
+                                          <p:attrName>style.visibility</p:attrName>
+                                        </p:attrNameLst>
+                                      </p:cBhvr>
+                                      <p:to>
+                                        <p:strVal val="visible"/>
+                                      </p:to>
+                                    </p:set>
+                                  </p:childTnLst>
+                                </p:cTn>
+                              </p:par>
+                            </p:childTnLst>
+                          </p:cTn>
+                        </p:par>
+                      </p:childTnLst>
+                    </p:cTn>
+                  </p:par>
+                  <p:par>
+                    <p:cTn id="7" fill="hold">
+                      <p:stCondLst>
+                        <p:cond delay="indefinite"/>
+                      </p:stCondLst>
+                      <p:childTnLst>
+                        <p:par>
+                          <p:cTn id="8" fill="hold">
+                            <p:stCondLst>
+                              <p:cond delay="0"/>
+                            </p:stCondLst>
+                            <p:childTnLst>
+                              <p:par>
+                                <p:cTn id="9" presetID="1" presetClass="entr" presetSubtype="0" fill="hold" nodeType="clickEffect">
+                                  <p:stCondLst>
+                                    <p:cond delay="0"/>
+                                  </p:stCondLst>
+                                  <p:childTnLst>
+                                    <p:set>
+                                      <p:cBhvr>
+                                        <p:cTn id="10" dur="1" fill="hold">
+                                          <p:stCondLst>
+                                            <p:cond delay="0"/>
+                                          </p:stCondLst>
+                                        </p:cTn>
+                                        <p:tgtEl>
+                                          <p:spTgt spid="4099">
+                                            <p:txEl>
+                                              <p:pRg st="2" end="2"/>
+                                            </p:txEl>
+                                          </p:spTgt>
+                                        </p:tgtEl>
+                                        <p:attrNameLst>
+                                          <p:attrName>style.visibility</p:attrName>
+                                        </p:attrNameLst>
+                                      </p:cBhvr>
+                                      <p:to>
+                                        <p:strVal val="visible"/>
+                                      </p:to>
+                                    </p:set>
+                                  </p:childTnLst>
+                                </p:cTn>
+                              </p:par>
+                            </p:childTnLst>
+                          </p:cTn>
+                        </p:par>
+                      </p:childTnLst>
+                    </p:cTn>
+                  </p:par>
+                  <p:par>
+                    <p:cTn id="11" fill="hold">
+                      <p:stCondLst>
+                        <p:cond delay="indefinite"/>
+                      </p:stCondLst>
+                      <p:childTnLst>
+                        <p:par>
+                          <p:cTn id="12" fill="hold">
+                            <p:stCondLst>
+                              <p:cond delay="0"/>
+                            </p:stCondLst>
+                            <p:childTnLst>
+                              <p:par>
+                                <p:cTn id="13" presetID="10" presetClass="entr" presetSubtype="0" fill="hold" nodeType="clickEffect">
+                                  <p:stCondLst>
+                                    <p:cond delay="0"/>
+                                  </p:stCondLst>
+                                  <p:childTnLst>
+                                    <p:set>
+                                      <p:cBhvr>
+                                        <p:cTn id="14" dur="1" fill="hold">
+                                          <p:stCondLst>
+                                            <p:cond delay="0"/>
+                                          </p:stCondLst>
+                                        </p:cTn>
+                                        <p:tgtEl>
+                                          <p:spTgt spid="2"/>
+                                        </p:tgtEl>
+                                        <p:attrNameLst>
+                                          <p:attrName>style.visibility</p:attrName>
+                                        </p:attrNameLst>
+                                      </p:cBhvr>
+                                      <p:to>
+                                        <p:strVal val="visible"/>
+                                      </p:to>
+                                    </p:set>
+                                    <p:animEffect transition="in" filter="fade">
+                                      <p:cBhvr>
+                                        <p:cTn id="15" dur="500"/>
+                                        <p:tgtEl>
+                                          <p:spTgt spid="2"/>
+                                        </p:tgtEl>
+                                      </p:cBhvr>
+                                    </p:animEffect>
+                                  </p:childTnLst>
+                                </p:cTn>
+                              </p:par>
+                            </p:childTnLst>
+                          </p:cTn>
+                        </p:par>
+                      </p:childTnLst>
+                    </p:cTn>
+                  </p:par>
+                </p:childTnLst>
+              </p:cTn>
+              <p:prevCondLst>
+                <p:cond evt="onPrev" delay="0">
+                  <p:tgtEl>
+                    <p:sldTgt/>
+                  </p:tgtEl>
+                </p:cond>
+              </p:prevCondLst>
+              <p:nextCondLst>
+                <p:cond evt="onNext" delay="0">
+                  <p:tgtEl>
+                    <p:sldTgt/>
+                  </p:tgtEl>
+                </p:cond>
+              </p:nextCondLst>
+            </p:seq>
+          </p:childTnLst>
+        </p:cTn>
       </p:par>
     </p:tnLst>
   </p:timing>
@@ -9998,18 +11464,18 @@
             </a:pPr>
             <a:r>
               <a:rPr lang="en-US" sz="2800" dirty="0" smtClean="0"/>
-              <a:t>China </a:t>
-            </a:r>
-            <a:r>
-              <a:rPr lang="en-US" sz="2800" dirty="0"/>
-              <a:t>is currently the third largest export market for the U.S.</a:t>
-            </a:r>
-            <a:r>
-              <a:rPr lang="en-US" sz="2800" baseline="30000" dirty="0"/>
-              <a:t>17</a:t>
-            </a:r>
-            <a:r>
-              <a:rPr lang="en-US" sz="2800" dirty="0"/>
+              <a:t>China is the U.S’s second largest trading </a:t>
+            </a:r>
+            <a:r>
+              <a:rPr lang="en-US" sz="2800" dirty="0" smtClean="0"/>
+              <a:t>partner.</a:t>
+            </a:r>
+            <a:r>
+              <a:rPr lang="en-US" sz="2800" baseline="30000" dirty="0" smtClean="0"/>
+              <a:t>7</a:t>
+            </a:r>
+            <a:r>
+              <a:rPr lang="en-US" sz="2800" dirty="0" smtClean="0"/>
               <a:t> </a:t>
             </a:r>
             <a:endParaRPr lang="en-US" sz="2800" dirty="0" smtClean="0"/>
@@ -10033,9 +11499,13 @@
             </a:r>
             <a:r>
               <a:rPr lang="en-US" sz="2800" dirty="0" smtClean="0"/>
-              <a:t>program</a:t>
-            </a:r>
-            <a:endParaRPr lang="en-US" sz="2800" dirty="0" smtClean="0"/>
+              <a:t>program (2006).</a:t>
+            </a:r>
+            <a:r>
+              <a:rPr lang="en-US" sz="2800" baseline="30000" dirty="0" smtClean="0"/>
+              <a:t>8</a:t>
+            </a:r>
+            <a:endParaRPr lang="en-US" sz="2800" baseline="30000" dirty="0" smtClean="0"/>
           </a:p>
           <a:p>
             <a:pPr marL="465138" indent="-465138" eaLnBrk="1" hangingPunct="1">
@@ -10052,9 +11522,13 @@
             </a:r>
             <a:r>
               <a:rPr lang="en-US" sz="2800" dirty="0" smtClean="0"/>
-              <a:t>program</a:t>
-            </a:r>
-            <a:endParaRPr lang="en-US" sz="2400" dirty="0" smtClean="0"/>
+              <a:t>program (2009).</a:t>
+            </a:r>
+            <a:r>
+              <a:rPr lang="en-US" baseline="30000" dirty="0" smtClean="0"/>
+              <a:t>9</a:t>
+            </a:r>
+            <a:endParaRPr lang="en-US" baseline="30000" dirty="0"/>
           </a:p>
           <a:p>
             <a:pPr marL="865188" lvl="1" indent="-465138" eaLnBrk="1" hangingPunct="1">
@@ -10150,7 +11624,128 @@
   <p:timing>
     <p:tnLst>
       <p:par>
-        <p:cTn id="1" dur="indefinite" restart="never" nodeType="tmRoot"/>
+        <p:cTn id="1" dur="indefinite" restart="never" nodeType="tmRoot">
+          <p:childTnLst>
+            <p:seq concurrent="1" nextAc="seek">
+              <p:cTn id="2" dur="indefinite" nodeType="mainSeq">
+                <p:childTnLst>
+                  <p:par>
+                    <p:cTn id="3" fill="hold">
+                      <p:stCondLst>
+                        <p:cond delay="indefinite"/>
+                      </p:stCondLst>
+                      <p:childTnLst>
+                        <p:par>
+                          <p:cTn id="4" fill="hold">
+                            <p:stCondLst>
+                              <p:cond delay="0"/>
+                            </p:stCondLst>
+                            <p:childTnLst>
+                              <p:par>
+                                <p:cTn id="5" presetID="1" presetClass="entr" presetSubtype="0" fill="hold" nodeType="clickEffect">
+                                  <p:stCondLst>
+                                    <p:cond delay="0"/>
+                                  </p:stCondLst>
+                                  <p:childTnLst>
+                                    <p:set>
+                                      <p:cBhvr>
+                                        <p:cTn id="6" dur="1" fill="hold">
+                                          <p:stCondLst>
+                                            <p:cond delay="0"/>
+                                          </p:stCondLst>
+                                        </p:cTn>
+                                        <p:tgtEl>
+                                          <p:spTgt spid="4099">
+                                            <p:txEl>
+                                              <p:pRg st="1" end="1"/>
+                                            </p:txEl>
+                                          </p:spTgt>
+                                        </p:tgtEl>
+                                        <p:attrNameLst>
+                                          <p:attrName>style.visibility</p:attrName>
+                                        </p:attrNameLst>
+                                      </p:cBhvr>
+                                      <p:to>
+                                        <p:strVal val="visible"/>
+                                      </p:to>
+                                    </p:set>
+                                  </p:childTnLst>
+                                </p:cTn>
+                              </p:par>
+                            </p:childTnLst>
+                          </p:cTn>
+                        </p:par>
+                      </p:childTnLst>
+                    </p:cTn>
+                  </p:par>
+                  <p:par>
+                    <p:cTn id="7" fill="hold">
+                      <p:stCondLst>
+                        <p:cond delay="indefinite"/>
+                      </p:stCondLst>
+                      <p:childTnLst>
+                        <p:par>
+                          <p:cTn id="8" fill="hold">
+                            <p:stCondLst>
+                              <p:cond delay="0"/>
+                            </p:stCondLst>
+                            <p:childTnLst>
+                              <p:par>
+                                <p:cTn id="9" presetID="1" presetClass="entr" presetSubtype="0" fill="hold" nodeType="clickEffect">
+                                  <p:stCondLst>
+                                    <p:cond delay="0"/>
+                                  </p:stCondLst>
+                                  <p:childTnLst>
+                                    <p:set>
+                                      <p:cBhvr>
+                                        <p:cTn id="10" dur="1" fill="hold">
+                                          <p:stCondLst>
+                                            <p:cond delay="0"/>
+                                          </p:stCondLst>
+                                        </p:cTn>
+                                        <p:tgtEl>
+                                          <p:spTgt spid="4099">
+                                            <p:txEl>
+                                              <p:pRg st="2" end="2"/>
+                                            </p:txEl>
+                                          </p:spTgt>
+                                        </p:tgtEl>
+                                        <p:attrNameLst>
+                                          <p:attrName>style.visibility</p:attrName>
+                                        </p:attrNameLst>
+                                      </p:cBhvr>
+                                      <p:to>
+                                        <p:strVal val="visible"/>
+                                      </p:to>
+                                    </p:set>
+                                  </p:childTnLst>
+                                </p:cTn>
+                              </p:par>
+                            </p:childTnLst>
+                          </p:cTn>
+                        </p:par>
+                      </p:childTnLst>
+                    </p:cTn>
+                  </p:par>
+                </p:childTnLst>
+              </p:cTn>
+              <p:prevCondLst>
+                <p:cond evt="onPrev" delay="0">
+                  <p:tgtEl>
+                    <p:sldTgt/>
+                  </p:tgtEl>
+                </p:cond>
+              </p:prevCondLst>
+              <p:nextCondLst>
+                <p:cond evt="onNext" delay="0">
+                  <p:tgtEl>
+                    <p:sldTgt/>
+                  </p:tgtEl>
+                </p:cond>
+              </p:nextCondLst>
+            </p:seq>
+          </p:childTnLst>
+        </p:cTn>
       </p:par>
     </p:tnLst>
   </p:timing>
@@ -10721,47 +12316,4 @@
   <a:objectDefaults/>
   <a:extraClrSchemeLst/>
 </a:theme>
-</file>
-
-<file path=ppt/theme/themeOverride1.xml><?xml version="1.0" encoding="utf-8"?>
-<a:themeOverride xmlns:a="http://schemas.openxmlformats.org/drawingml/2006/main">
-  <a:clrScheme name="Office">
-    <a:dk1>
-      <a:sysClr val="windowText" lastClr="000000"/>
-    </a:dk1>
-    <a:lt1>
-      <a:sysClr val="window" lastClr="FFFFFF"/>
-    </a:lt1>
-    <a:dk2>
-      <a:srgbClr val="1F497D"/>
-    </a:dk2>
-    <a:lt2>
-      <a:srgbClr val="EEECE1"/>
-    </a:lt2>
-    <a:accent1>
-      <a:srgbClr val="4F81BD"/>
-    </a:accent1>
-    <a:accent2>
-      <a:srgbClr val="C0504D"/>
-    </a:accent2>
-    <a:accent3>
-      <a:srgbClr val="9BBB59"/>
-    </a:accent3>
-    <a:accent4>
-      <a:srgbClr val="8064A2"/>
-    </a:accent4>
-    <a:accent5>
-      <a:srgbClr val="4BACC6"/>
-    </a:accent5>
-    <a:accent6>
-      <a:srgbClr val="F79646"/>
-    </a:accent6>
-    <a:hlink>
-      <a:srgbClr val="0000FF"/>
-    </a:hlink>
-    <a:folHlink>
-      <a:srgbClr val="800080"/>
-    </a:folHlink>
-  </a:clrScheme>
-</a:themeOverride>
 </file>
--- a/Cui_Brief.pptx
+++ b/Cui_Brief.pptx
@@ -250,7 +250,7 @@
             <a:fld id="{1C9B95C5-00E6-4570-B403-3A15AA09B2D5}" type="datetimeFigureOut">
               <a:rPr lang="en-US" smtClean="0"/>
               <a:pPr/>
-              <a:t>10/9/2016</a:t>
+              <a:t>10/12/2016</a:t>
             </a:fld>
             <a:endParaRPr lang="en-US"/>
           </a:p>
@@ -567,15 +567,19 @@
           <a:p>
             <a:r>
               <a:rPr lang="en-US" dirty="0" smtClean="0"/>
-              <a:t>Good morning Sir,  Good morning </a:t>
+              <a:t>Good morning </a:t>
             </a:r>
             <a:r>
               <a:rPr lang="en-US" dirty="0" err="1" smtClean="0"/>
-              <a:t>Genltmen</a:t>
+              <a:t>Capt</a:t>
+            </a:r>
+            <a:r>
+              <a:rPr lang="en-US" baseline="0" dirty="0" smtClean="0"/>
+              <a:t> Morse</a:t>
             </a:r>
             <a:r>
               <a:rPr lang="en-US" dirty="0" smtClean="0"/>
-              <a:t>.</a:t>
+              <a:t>  Good morning Gentlemen.</a:t>
             </a:r>
           </a:p>
           <a:p>
@@ -1863,7 +1867,9 @@
               </a:rPr>
               <a:t>)</a:t>
             </a:r>
-            <a:endParaRPr lang="en-US" sz="1200" kern="1200" dirty="0" smtClean="0">
+          </a:p>
+          <a:p>
+            <a:endParaRPr lang="en-US" sz="1200" kern="1200" baseline="30000" dirty="0" smtClean="0">
               <a:solidFill>
                 <a:schemeClr val="tx1"/>
               </a:solidFill>
@@ -1872,6 +1878,20 @@
               <a:ea typeface="+mn-ea"/>
               <a:cs typeface="+mn-cs"/>
             </a:endParaRPr>
+          </a:p>
+          <a:p>
+            <a:r>
+              <a:rPr lang="en-US" sz="1200" kern="1200" baseline="0" dirty="0" smtClean="0">
+                <a:solidFill>
+                  <a:schemeClr val="tx1"/>
+                </a:solidFill>
+                <a:effectLst/>
+                <a:latin typeface="+mn-lt"/>
+                <a:ea typeface="+mn-ea"/>
+                <a:cs typeface="+mn-cs"/>
+              </a:rPr>
+              <a:t>The first word on the left means fire in Chinese. Does it look like a pile of bonfire?, and the second one looks likes mountain and Yes, it means mountain, if we use the two words together, the group means volcano. </a:t>
+            </a:r>
           </a:p>
           <a:p>
             <a:endParaRPr lang="en-US" sz="1200" b="0" i="0" kern="1200" dirty="0" smtClean="0">
@@ -1965,7 +1985,7 @@
         <p:spPr/>
         <p:txBody>
           <a:bodyPr>
-            <a:normAutofit fontScale="70000" lnSpcReduction="20000"/>
+            <a:normAutofit fontScale="62500" lnSpcReduction="20000"/>
           </a:bodyPr>
           <a:lstStyle/>
           <a:p>
@@ -1979,15 +1999,15 @@
             </a:pPr>
             <a:r>
               <a:rPr lang="en-US" sz="1200" dirty="0" smtClean="0"/>
-              <a:t>China is the US</a:t>
+              <a:t>China is the US second largest</a:t>
             </a:r>
             <a:r>
               <a:rPr lang="en-US" sz="1200" baseline="0" dirty="0" smtClean="0"/>
-              <a:t> trading partner.   </a:t>
+              <a:t> trading partner.   It</a:t>
             </a:r>
             <a:r>
               <a:rPr lang="en-US" sz="1200" dirty="0" smtClean="0"/>
-              <a:t>China is currently the third largest export market and largest import market for the U.S.</a:t>
+              <a:t> is currently the third largest export market and largest import market for the U.S.</a:t>
             </a:r>
             <a:r>
               <a:rPr lang="en-US" sz="1200" baseline="30000" dirty="0" smtClean="0"/>
@@ -1999,6 +2019,140 @@
             </a:r>
           </a:p>
           <a:p>
+            <a:endParaRPr lang="en-US" sz="1200" b="0" i="0" kern="1200" dirty="0" smtClean="0">
+              <a:solidFill>
+                <a:schemeClr val="tx1"/>
+              </a:solidFill>
+              <a:effectLst/>
+              <a:latin typeface="+mn-lt"/>
+              <a:ea typeface="+mn-ea"/>
+              <a:cs typeface="+mn-cs"/>
+            </a:endParaRPr>
+          </a:p>
+          <a:p>
+            <a:r>
+              <a:rPr lang="en-US" sz="1200" b="0" i="0" kern="1200" dirty="0" smtClean="0">
+                <a:solidFill>
+                  <a:schemeClr val="tx1"/>
+                </a:solidFill>
+                <a:effectLst/>
+                <a:latin typeface="+mn-lt"/>
+                <a:ea typeface="+mn-ea"/>
+                <a:cs typeface="+mn-cs"/>
+              </a:rPr>
+              <a:t>About one-quarter of the soybeans grown in the U.S. go to China, as well as </a:t>
+            </a:r>
+            <a:r>
+              <a:rPr lang="en-US" sz="1200" b="0" i="0" u="none" strike="noStrike" kern="1200" dirty="0" smtClean="0">
+                <a:solidFill>
+                  <a:schemeClr val="tx1"/>
+                </a:solidFill>
+                <a:effectLst/>
+                <a:latin typeface="+mn-lt"/>
+                <a:ea typeface="+mn-ea"/>
+                <a:cs typeface="+mn-cs"/>
+                <a:hlinkClick r:id="rId3"/>
+              </a:rPr>
+              <a:t>one in five of planes</a:t>
+            </a:r>
+            <a:r>
+              <a:rPr lang="en-US" sz="1200" b="0" i="0" kern="1200" dirty="0" smtClean="0">
+                <a:solidFill>
+                  <a:schemeClr val="tx1"/>
+                </a:solidFill>
+                <a:effectLst/>
+                <a:latin typeface="+mn-lt"/>
+                <a:ea typeface="+mn-ea"/>
+                <a:cs typeface="+mn-cs"/>
+              </a:rPr>
+              <a:t> manufactured by Boeing. Apple now sells more iPhones </a:t>
+            </a:r>
+            <a:r>
+              <a:rPr lang="en-US" sz="1200" b="0" i="0" u="none" strike="noStrike" kern="1200" dirty="0" smtClean="0">
+                <a:solidFill>
+                  <a:schemeClr val="tx1"/>
+                </a:solidFill>
+                <a:effectLst/>
+                <a:latin typeface="+mn-lt"/>
+                <a:ea typeface="+mn-ea"/>
+                <a:cs typeface="+mn-cs"/>
+                <a:hlinkClick r:id="rId4"/>
+              </a:rPr>
+              <a:t>in China than in the U.S</a:t>
+            </a:r>
+            <a:r>
+              <a:rPr lang="en-US" sz="1200" b="0" i="0" kern="1200" dirty="0" smtClean="0">
+                <a:solidFill>
+                  <a:schemeClr val="tx1"/>
+                </a:solidFill>
+                <a:effectLst/>
+                <a:latin typeface="+mn-lt"/>
+                <a:ea typeface="+mn-ea"/>
+                <a:cs typeface="+mn-cs"/>
+              </a:rPr>
+              <a:t>. China is also a big consumer of American services, like education: </a:t>
+            </a:r>
+            <a:r>
+              <a:rPr lang="en-US" sz="1200" b="0" i="0" u="none" strike="noStrike" kern="1200" dirty="0" smtClean="0">
+                <a:solidFill>
+                  <a:schemeClr val="tx1"/>
+                </a:solidFill>
+                <a:effectLst/>
+                <a:latin typeface="+mn-lt"/>
+                <a:ea typeface="+mn-ea"/>
+                <a:cs typeface="+mn-cs"/>
+                <a:hlinkClick r:id="rId5"/>
+              </a:rPr>
+              <a:t>One in three foreign students</a:t>
+            </a:r>
+            <a:r>
+              <a:rPr lang="en-US" sz="1200" b="0" i="0" kern="1200" dirty="0" smtClean="0">
+                <a:solidFill>
+                  <a:schemeClr val="tx1"/>
+                </a:solidFill>
+                <a:effectLst/>
+                <a:latin typeface="+mn-lt"/>
+                <a:ea typeface="+mn-ea"/>
+                <a:cs typeface="+mn-cs"/>
+              </a:rPr>
+              <a:t> in the U.S. is now from China.</a:t>
+            </a:r>
+          </a:p>
+          <a:p>
+            <a:endParaRPr lang="en-US" sz="1200" b="0" i="0" kern="1200" dirty="0" smtClean="0">
+              <a:solidFill>
+                <a:schemeClr val="tx1"/>
+              </a:solidFill>
+              <a:effectLst/>
+              <a:latin typeface="+mn-lt"/>
+              <a:ea typeface="+mn-ea"/>
+              <a:cs typeface="+mn-cs"/>
+            </a:endParaRPr>
+          </a:p>
+          <a:p>
+            <a:r>
+              <a:rPr lang="en-US" sz="1200" b="0" i="0" kern="1200" dirty="0" smtClean="0">
+                <a:solidFill>
+                  <a:schemeClr val="tx1"/>
+                </a:solidFill>
+                <a:effectLst/>
+                <a:latin typeface="+mn-lt"/>
+                <a:ea typeface="+mn-ea"/>
+                <a:cs typeface="+mn-cs"/>
+              </a:rPr>
+              <a:t>U.S. and China cooperate on issues like climate change and counter-terrorism, and China has supported U.S. led efforts to contain North Korea's and Iran's nuclear programs</a:t>
+            </a:r>
+            <a:br>
+              <a:rPr lang="en-US" sz="1200" b="0" i="0" kern="1200" dirty="0" smtClean="0">
+                <a:solidFill>
+                  <a:schemeClr val="tx1"/>
+                </a:solidFill>
+                <a:effectLst/>
+                <a:latin typeface="+mn-lt"/>
+                <a:ea typeface="+mn-ea"/>
+                <a:cs typeface="+mn-cs"/>
+              </a:rPr>
+            </a:br>
             <a:endParaRPr lang="en-US" sz="1200" b="0" i="0" kern="1200" dirty="0" smtClean="0">
               <a:solidFill>
                 <a:schemeClr val="tx1"/>
@@ -2037,7 +2191,7 @@
                 <a:ea typeface="+mn-ea"/>
                 <a:cs typeface="+mn-cs"/>
               </a:rPr>
-              <a:t>US welcomes</a:t>
+              <a:t>China has played a</a:t>
             </a:r>
             <a:r>
               <a:rPr lang="en-US" sz="1200" kern="1200" baseline="0" dirty="0" smtClean="0">
@@ -2049,7 +2203,7 @@
                 <a:ea typeface="+mn-ea"/>
                 <a:cs typeface="+mn-cs"/>
               </a:rPr>
-              <a:t> </a:t>
+              <a:t> big</a:t>
             </a:r>
             <a:r>
               <a:rPr lang="en-US" sz="1200" kern="1200" dirty="0" smtClean="0">
@@ -2061,7 +2215,7 @@
                 <a:ea typeface="+mn-ea"/>
                 <a:cs typeface="+mn-cs"/>
               </a:rPr>
-              <a:t>a peaceful and prosperous China to play a bigger role in addressing global challenges. For instance, nuclear proliferation concerns in North Korea and Iran.  Because bot</a:t>
+              <a:t> role in addressing global challenges. For instance, nuclear proliferation concerns in North Korea and Iran.  Because bot</a:t>
             </a:r>
             <a:r>
               <a:rPr lang="en-US" sz="1200" kern="1200" baseline="0" dirty="0" smtClean="0">
@@ -2214,7 +2368,67 @@
                 <a:ea typeface="+mn-ea"/>
                 <a:cs typeface="+mn-cs"/>
               </a:rPr>
-              <a:t> Since 2009, the Department of Defense has authorized that hundreds of non-immigrant individuals who can speak Chinese and join the military are able to become naturalized U.S. citizens by the time they complete 10 weeks of vigorous basic combat training.</a:t>
+              <a:t> Since 2009, the Department of Defense has authorized that hundreds of non-immigrant individuals who can speak Chinese and join the military through Military Accession</a:t>
+            </a:r>
+            <a:r>
+              <a:rPr lang="en-US" sz="1200" kern="1200" baseline="0" dirty="0" smtClean="0">
+                <a:solidFill>
+                  <a:schemeClr val="tx1"/>
+                </a:solidFill>
+                <a:effectLst/>
+                <a:latin typeface="+mn-lt"/>
+                <a:ea typeface="+mn-ea"/>
+                <a:cs typeface="+mn-cs"/>
+              </a:rPr>
+              <a:t> Vital to National </a:t>
+            </a:r>
+            <a:r>
+              <a:rPr lang="en-US" sz="1200" kern="1200" baseline="0" dirty="0" err="1" smtClean="0">
+                <a:solidFill>
+                  <a:schemeClr val="tx1"/>
+                </a:solidFill>
+                <a:effectLst/>
+                <a:latin typeface="+mn-lt"/>
+                <a:ea typeface="+mn-ea"/>
+                <a:cs typeface="+mn-cs"/>
+              </a:rPr>
+              <a:t>Interst</a:t>
+            </a:r>
+            <a:r>
+              <a:rPr lang="en-US" sz="1200" kern="1200" baseline="0" dirty="0" smtClean="0">
+                <a:solidFill>
+                  <a:schemeClr val="tx1"/>
+                </a:solidFill>
+                <a:effectLst/>
+                <a:latin typeface="+mn-lt"/>
+                <a:ea typeface="+mn-ea"/>
+                <a:cs typeface="+mn-cs"/>
+              </a:rPr>
+              <a:t> program.  The </a:t>
+            </a:r>
+            <a:r>
+              <a:rPr lang="en-US" sz="1200" kern="1200" baseline="0" dirty="0" err="1" smtClean="0">
+                <a:solidFill>
+                  <a:schemeClr val="tx1"/>
+                </a:solidFill>
+                <a:effectLst/>
+                <a:latin typeface="+mn-lt"/>
+                <a:ea typeface="+mn-ea"/>
+                <a:cs typeface="+mn-cs"/>
+              </a:rPr>
+              <a:t>inviduals</a:t>
+            </a:r>
+            <a:r>
+              <a:rPr lang="en-US" sz="1200" kern="1200" dirty="0" smtClean="0">
+                <a:solidFill>
+                  <a:schemeClr val="tx1"/>
+                </a:solidFill>
+                <a:effectLst/>
+                <a:latin typeface="+mn-lt"/>
+                <a:ea typeface="+mn-ea"/>
+                <a:cs typeface="+mn-cs"/>
+              </a:rPr>
+              <a:t> are able to become naturalized U.S. citizens by the time they complete 10 weeks of vigorous basic combat training.</a:t>
             </a:r>
             <a:r>
               <a:rPr lang="en-US" sz="1200" kern="1200" baseline="30000" dirty="0" smtClean="0">
@@ -2594,7 +2808,103 @@
                 <a:ea typeface="+mn-ea"/>
                 <a:cs typeface="+mn-cs"/>
               </a:rPr>
-              <a:t> covered its econo.my, language, and the U.S. interests in China</a:t>
+              <a:t> covered its econo.my the</a:t>
+            </a:r>
+            <a:r>
+              <a:rPr lang="en-US" sz="1200" kern="1200" baseline="0" dirty="0" smtClean="0">
+                <a:solidFill>
+                  <a:schemeClr val="tx1"/>
+                </a:solidFill>
+                <a:effectLst/>
+                <a:latin typeface="+mn-lt"/>
+                <a:ea typeface="+mn-ea"/>
+                <a:cs typeface="+mn-cs"/>
+              </a:rPr>
+              <a:t> achievement China has made, the challenges it still facing</a:t>
+            </a:r>
+            <a:r>
+              <a:rPr lang="en-US" sz="1200" kern="1200" dirty="0" smtClean="0">
+                <a:solidFill>
+                  <a:schemeClr val="tx1"/>
+                </a:solidFill>
+                <a:effectLst/>
+                <a:latin typeface="+mn-lt"/>
+                <a:ea typeface="+mn-ea"/>
+                <a:cs typeface="+mn-cs"/>
+              </a:rPr>
+              <a:t>, We</a:t>
+            </a:r>
+            <a:r>
+              <a:rPr lang="en-US" sz="1200" kern="1200" baseline="0" dirty="0" smtClean="0">
+                <a:solidFill>
+                  <a:schemeClr val="tx1"/>
+                </a:solidFill>
+                <a:effectLst/>
+                <a:latin typeface="+mn-lt"/>
+                <a:ea typeface="+mn-ea"/>
+                <a:cs typeface="+mn-cs"/>
+              </a:rPr>
+              <a:t> talked about it is </a:t>
+            </a:r>
+            <a:r>
+              <a:rPr lang="en-US" sz="1200" kern="1200" dirty="0" smtClean="0">
+                <a:solidFill>
+                  <a:schemeClr val="tx1"/>
+                </a:solidFill>
+                <a:effectLst/>
+                <a:latin typeface="+mn-lt"/>
+                <a:ea typeface="+mn-ea"/>
+                <a:cs typeface="+mn-cs"/>
+              </a:rPr>
+              <a:t>language, </a:t>
+            </a:r>
+            <a:r>
+              <a:rPr lang="en-US" sz="1200" kern="1200" dirty="0" err="1" smtClean="0">
+                <a:solidFill>
+                  <a:schemeClr val="tx1"/>
+                </a:solidFill>
+                <a:effectLst/>
+                <a:latin typeface="+mn-lt"/>
+                <a:ea typeface="+mn-ea"/>
+                <a:cs typeface="+mn-cs"/>
+              </a:rPr>
+              <a:t>Manderin</a:t>
+            </a:r>
+            <a:r>
+              <a:rPr lang="en-US" sz="1200" kern="1200" baseline="0" dirty="0" smtClean="0">
+                <a:solidFill>
+                  <a:schemeClr val="tx1"/>
+                </a:solidFill>
+                <a:effectLst/>
+                <a:latin typeface="+mn-lt"/>
+                <a:ea typeface="+mn-ea"/>
+                <a:cs typeface="+mn-cs"/>
+              </a:rPr>
+              <a:t> and Cantonese are the two dialects</a:t>
+            </a:r>
+            <a:r>
+              <a:rPr lang="en-US" sz="1200" kern="1200" dirty="0" smtClean="0">
+                <a:solidFill>
+                  <a:schemeClr val="tx1"/>
+                </a:solidFill>
+                <a:effectLst/>
+                <a:latin typeface="+mn-lt"/>
+                <a:ea typeface="+mn-ea"/>
+                <a:cs typeface="+mn-cs"/>
+              </a:rPr>
+              <a:t>, and the U.S. interests in China.  Why China</a:t>
+            </a:r>
+            <a:r>
+              <a:rPr lang="en-US" sz="1200" kern="1200" baseline="0" dirty="0" smtClean="0">
+                <a:solidFill>
+                  <a:schemeClr val="tx1"/>
+                </a:solidFill>
+                <a:effectLst/>
+                <a:latin typeface="+mn-lt"/>
+                <a:ea typeface="+mn-ea"/>
+                <a:cs typeface="+mn-cs"/>
+              </a:rPr>
+              <a:t> is important to us.  Chinese is important to our national security interests</a:t>
             </a:r>
             <a:endParaRPr lang="en-US" dirty="0" smtClean="0"/>
           </a:p>
@@ -2990,7 +3300,7 @@
             <a:fld id="{7CDCAE67-E89D-4BB4-B61B-54BC0670CF18}" type="datetime1">
               <a:rPr lang="en-US"/>
               <a:pPr/>
-              <a:t>10/9/2016</a:t>
+              <a:t>10/12/2016</a:t>
             </a:fld>
             <a:endParaRPr lang="en-US"/>
           </a:p>
@@ -3179,7 +3489,7 @@
             <a:fld id="{109C0921-2D70-4E08-98D8-EB39DE03150A}" type="datetime1">
               <a:rPr lang="en-US"/>
               <a:pPr/>
-              <a:t>10/9/2016</a:t>
+              <a:t>10/12/2016</a:t>
             </a:fld>
             <a:endParaRPr lang="en-US"/>
           </a:p>
@@ -5323,7 +5633,7 @@
             <a:fld id="{6092E1ED-56A1-416C-B18A-BFFB0EF35A2C}" type="datetime1">
               <a:rPr lang="en-US"/>
               <a:pPr/>
-              <a:t>10/9/2016</a:t>
+              <a:t>10/12/2016</a:t>
             </a:fld>
             <a:endParaRPr lang="en-US"/>
           </a:p>
@@ -5578,7 +5888,7 @@
             <a:fld id="{00F49F59-F97F-4418-BC3B-6EC65723EE25}" type="datetime1">
               <a:rPr lang="en-US"/>
               <a:pPr/>
-              <a:t>10/9/2016</a:t>
+              <a:t>10/12/2016</a:t>
             </a:fld>
             <a:endParaRPr lang="en-US"/>
           </a:p>
@@ -6024,7 +6334,7 @@
             <a:fld id="{B333280C-8980-4738-B56C-59968B6F2DDE}" type="datetime1">
               <a:rPr lang="en-US"/>
               <a:pPr/>
-              <a:t>10/9/2016</a:t>
+              <a:t>10/12/2016</a:t>
             </a:fld>
             <a:endParaRPr lang="en-US"/>
           </a:p>
@@ -6600,7 +6910,7 @@
             <a:fld id="{2F6F35F7-F2F4-4B85-A4AD-EDBAACD1F883}" type="datetime1">
               <a:rPr lang="en-US"/>
               <a:pPr/>
-              <a:t>10/9/2016</a:t>
+              <a:t>10/12/2016</a:t>
             </a:fld>
             <a:endParaRPr lang="en-US"/>
           </a:p>
@@ -6876,7 +7186,7 @@
             <a:fld id="{2DF6C973-CFEC-4130-8EE4-980FB3712F0C}" type="datetime1">
               <a:rPr lang="en-US"/>
               <a:pPr/>
-              <a:t>10/9/2016</a:t>
+              <a:t>10/12/2016</a:t>
             </a:fld>
             <a:endParaRPr lang="en-US"/>
           </a:p>
@@ -6980,7 +7290,7 @@
             <a:fld id="{782CA2A9-9CAC-4FDB-B630-731EB7727567}" type="datetime1">
               <a:rPr lang="en-US"/>
               <a:pPr/>
-              <a:t>10/9/2016</a:t>
+              <a:t>10/12/2016</a:t>
             </a:fld>
             <a:endParaRPr lang="en-US"/>
           </a:p>
@@ -7266,7 +7576,7 @@
             <a:fld id="{B7AF53E9-3C29-4D61-B093-CA401AEB0D3A}" type="datetime1">
               <a:rPr lang="en-US"/>
               <a:pPr/>
-              <a:t>10/9/2016</a:t>
+              <a:t>10/12/2016</a:t>
             </a:fld>
             <a:endParaRPr lang="en-US"/>
           </a:p>
@@ -7531,7 +7841,7 @@
             <a:fld id="{940052CD-3002-424C-96E7-7E09EEB02164}" type="datetime1">
               <a:rPr lang="en-US"/>
               <a:pPr/>
-              <a:t>10/9/2016</a:t>
+              <a:t>10/12/2016</a:t>
             </a:fld>
             <a:endParaRPr lang="en-US"/>
           </a:p>
@@ -7776,7 +8086,7 @@
             <a:fld id="{767F67E7-25B5-4D11-AB58-D71DFF515425}" type="datetime1">
               <a:rPr lang="en-US"/>
               <a:pPr/>
-              <a:t>10/9/2016</a:t>
+              <a:t>10/12/2016</a:t>
             </a:fld>
             <a:endParaRPr lang="en-US"/>
           </a:p>
@@ -8697,11 +9007,7 @@
             </a:pPr>
             <a:r>
               <a:rPr lang="en-US" sz="2000" dirty="0" smtClean="0"/>
-              <a:t>3.  </a:t>
-            </a:r>
-            <a:r>
-              <a:rPr lang="en-US" sz="2000" dirty="0" smtClean="0"/>
-              <a:t>BBC </a:t>
+              <a:t>3.  BBC </a:t>
             </a:r>
             <a:r>
               <a:rPr lang="en-US" sz="2000" dirty="0"/>
@@ -9024,11 +9330,7 @@
             </a:r>
             <a:r>
               <a:rPr lang="en-US" sz="2000" dirty="0"/>
-              <a:t>, http://www.cfr.org/china/china-north-korea-relationship/p11097 (accessed 1 Oct 2016</a:t>
-            </a:r>
-            <a:r>
-              <a:rPr lang="en-US" sz="2000" dirty="0"/>
-              <a:t>). Dina Powell, National Security Language Initiative, https://web.archive.org/web/20080306151344/http://www.state.gov/r/pa/prs/ps/2006/58733.htm (accessed 1 Oct 2016</a:t>
+              <a:t>, http://www.cfr.org/china/china-north-korea-relationship/p11097 (accessed 1 Oct 2016). Dina Powell, National Security Language Initiative, https://web.archive.org/web/20080306151344/http://www.state.gov/r/pa/prs/ps/2006/58733.htm (accessed 1 Oct 2016</a:t>
             </a:r>
             <a:r>
               <a:rPr lang="en-US" sz="2000" dirty="0" smtClean="0"/>
@@ -9047,7 +9349,6 @@
               <a:rPr lang="en-US" sz="2000" dirty="0"/>
               <a:t>Accessions Vital to the National Interest Pilot Recruiting Program, https://www.army.mil/standto/archive/2009/03/10/ (accessed 1 Oct 2016).</a:t>
             </a:r>
-            <a:endParaRPr lang="en-US" sz="2000" dirty="0"/>
           </a:p>
         </p:txBody>
       </p:sp>
@@ -10002,11 +10303,7 @@
             </a:pPr>
             <a:r>
               <a:rPr lang="en-US" sz="2800" dirty="0" smtClean="0"/>
-              <a:t>Recent economic challenges China </a:t>
-            </a:r>
-            <a:r>
-              <a:rPr lang="en-US" sz="2800" dirty="0" smtClean="0"/>
-              <a:t>has</a:t>
+              <a:t>Recent economic challenges China has</a:t>
             </a:r>
             <a:endParaRPr lang="en-US" sz="2800" baseline="30000" dirty="0" smtClean="0"/>
           </a:p>
@@ -10053,7 +10350,6 @@
               <a:rPr lang="en-US" sz="2400" baseline="30000" dirty="0" smtClean="0"/>
               <a:t>3</a:t>
             </a:r>
-            <a:endParaRPr lang="en-US" sz="2400" baseline="30000" dirty="0" smtClean="0"/>
           </a:p>
           <a:p>
             <a:pPr marL="865188" lvl="1" indent="-465138" eaLnBrk="1" hangingPunct="1">
@@ -10066,11 +10362,7 @@
             </a:pPr>
             <a:r>
               <a:rPr lang="en-US" sz="2400" dirty="0" smtClean="0"/>
-              <a:t>Environmental </a:t>
-            </a:r>
-            <a:r>
-              <a:rPr lang="en-US" sz="2400" dirty="0" smtClean="0"/>
-              <a:t>damage</a:t>
+              <a:t>Environmental damage</a:t>
             </a:r>
             <a:r>
               <a:rPr lang="en-US" sz="2400" baseline="30000" dirty="0" smtClean="0"/>
@@ -10080,7 +10372,6 @@
               <a:rPr lang="en-US" sz="2400" dirty="0" smtClean="0"/>
               <a:t> </a:t>
             </a:r>
-            <a:endParaRPr lang="en-US" sz="2400" dirty="0" smtClean="0"/>
           </a:p>
           <a:p>
             <a:pPr marL="865188" lvl="1" indent="-465138" eaLnBrk="1" hangingPunct="1">
@@ -10241,8 +10532,8 @@
         </p:blipFill>
         <p:spPr bwMode="auto">
           <a:xfrm>
-            <a:off x="3420979" y="3967621"/>
-            <a:ext cx="5321968" cy="2890379"/>
+            <a:off x="2743200" y="3733801"/>
+            <a:ext cx="4876800" cy="2590800"/>
           </a:xfrm>
           <a:prstGeom prst="rect">
             <a:avLst/>
@@ -10259,6 +10550,52 @@
           </a:extLst>
         </p:spPr>
       </p:pic>
+      <p:sp>
+        <p:nvSpPr>
+          <p:cNvPr id="2" name="TextBox 1"/>
+          <p:cNvSpPr txBox="1"/>
+          <p:nvPr/>
+        </p:nvSpPr>
+        <p:spPr>
+          <a:xfrm>
+            <a:off x="2895600" y="6324601"/>
+            <a:ext cx="10059292" cy="369332"/>
+          </a:xfrm>
+          <a:prstGeom prst="rect">
+            <a:avLst/>
+          </a:prstGeom>
+          <a:noFill/>
+        </p:spPr>
+        <p:txBody>
+          <a:bodyPr wrap="none" rtlCol="0">
+            <a:spAutoFit/>
+          </a:bodyPr>
+          <a:lstStyle/>
+          <a:p>
+            <a:r>
+              <a:rPr lang="en-US" dirty="0" smtClean="0"/>
+              <a:t>Fig. 1. </a:t>
+            </a:r>
+            <a:r>
+              <a:rPr lang="en-US" dirty="0"/>
+              <a:t>council on foreign </a:t>
+            </a:r>
+            <a:r>
+              <a:rPr lang="en-US" dirty="0" smtClean="0"/>
+              <a:t>relations, (http</a:t>
+            </a:r>
+            <a:r>
+              <a:rPr lang="en-US" dirty="0"/>
+              <a:t>://</a:t>
+            </a:r>
+            <a:r>
+              <a:rPr lang="en-US" dirty="0" smtClean="0"/>
+              <a:t>www.cfr.org/china/chinas-environmental-crisis/p12608) </a:t>
+            </a:r>
+            <a:endParaRPr lang="en-US" dirty="0"/>
+          </a:p>
+        </p:txBody>
+      </p:sp>
     </p:spTree>
     <p:extLst>
       <p:ext uri="{BB962C8B-B14F-4D97-AF65-F5344CB8AC3E}">
@@ -10801,11 +11138,7 @@
             </a:r>
             <a:r>
               <a:rPr lang="en-US" sz="2800" dirty="0" smtClean="0"/>
-              <a:t>by 1.2 billion people in the </a:t>
-            </a:r>
-            <a:r>
-              <a:rPr lang="en-US" sz="2800" dirty="0" smtClean="0"/>
-              <a:t>world.</a:t>
+              <a:t>by 1.2 billion people in the world.</a:t>
             </a:r>
             <a:r>
               <a:rPr lang="en-US" sz="2800" baseline="30000" dirty="0" smtClean="0"/>
@@ -10828,11 +11161,7 @@
             </a:r>
             <a:r>
               <a:rPr lang="en-US" sz="2800" dirty="0" smtClean="0"/>
-              <a:t>over 10 different types of </a:t>
-            </a:r>
-            <a:r>
-              <a:rPr lang="en-US" sz="2800" dirty="0" smtClean="0"/>
-              <a:t>dialects</a:t>
+              <a:t>over 10 different types of dialects</a:t>
             </a:r>
             <a:r>
               <a:rPr lang="en-US" sz="2800" baseline="30000" dirty="0"/>
@@ -10844,21 +11173,12 @@
             </a:r>
             <a:r>
               <a:rPr lang="en-US" sz="2800" dirty="0" smtClean="0"/>
-              <a:t>(e.g</a:t>
-            </a:r>
-            <a:r>
-              <a:rPr lang="en-US" sz="2800" dirty="0" smtClean="0"/>
-              <a:t>. Mandarin, Cantonese</a:t>
-            </a:r>
-            <a:r>
-              <a:rPr lang="en-US" sz="2800" dirty="0" smtClean="0"/>
-              <a:t>).</a:t>
+              <a:t>(e.g. Mandarin, Cantonese).</a:t>
             </a:r>
             <a:r>
               <a:rPr lang="en-US" sz="2800" baseline="30000" dirty="0" smtClean="0"/>
               <a:t>6</a:t>
             </a:r>
-            <a:endParaRPr lang="en-US" sz="2800" baseline="30000" dirty="0" smtClean="0"/>
           </a:p>
           <a:p>
             <a:pPr marL="465138" indent="-465138" eaLnBrk="1" hangingPunct="1">
@@ -11464,11 +11784,7 @@
             </a:pPr>
             <a:r>
               <a:rPr lang="en-US" sz="2800" dirty="0" smtClean="0"/>
-              <a:t>China is the U.S’s second largest trading </a:t>
-            </a:r>
-            <a:r>
-              <a:rPr lang="en-US" sz="2800" dirty="0" smtClean="0"/>
-              <a:t>partner.</a:t>
+              <a:t>China is the U.S’s second largest trading partner.</a:t>
             </a:r>
             <a:r>
               <a:rPr lang="en-US" sz="2800" baseline="30000" dirty="0" smtClean="0"/>
@@ -11478,7 +11794,6 @@
               <a:rPr lang="en-US" sz="2800" dirty="0" smtClean="0"/>
               <a:t> </a:t>
             </a:r>
-            <a:endParaRPr lang="en-US" sz="2800" dirty="0" smtClean="0"/>
           </a:p>
           <a:p>
             <a:pPr marL="465138" indent="-465138" eaLnBrk="1" hangingPunct="1">
@@ -11505,7 +11820,6 @@
               <a:rPr lang="en-US" sz="2800" baseline="30000" dirty="0" smtClean="0"/>
               <a:t>8</a:t>
             </a:r>
-            <a:endParaRPr lang="en-US" sz="2800" baseline="30000" dirty="0" smtClean="0"/>
           </a:p>
           <a:p>
             <a:pPr marL="465138" indent="-465138" eaLnBrk="1" hangingPunct="1">
@@ -11518,11 +11832,7 @@
             </a:pPr>
             <a:r>
               <a:rPr lang="en-US" sz="2800" dirty="0" smtClean="0"/>
-              <a:t>Military Accession Vital to National Interest (MAVNI) </a:t>
-            </a:r>
-            <a:r>
-              <a:rPr lang="en-US" sz="2800" dirty="0" smtClean="0"/>
-              <a:t>program (2009).</a:t>
+              <a:t>Military Accession Vital to National Interest (MAVNI) program (2009).</a:t>
             </a:r>
             <a:r>
               <a:rPr lang="en-US" baseline="30000" dirty="0" smtClean="0"/>
